--- a/Documentation/web/sameat web previw.pptx
+++ b/Documentation/web/sameat web previw.pptx
@@ -6,6 +6,8 @@
   </p:sldMasterIdLst>
   <p:sldIdLst>
     <p:sldId id="256" r:id="rId2"/>
+    <p:sldId id="257" r:id="rId3"/>
+    <p:sldId id="258" r:id="rId4"/>
   </p:sldIdLst>
   <p:sldSz cx="12192000" cy="6858000"/>
   <p:notesSz cx="6858000" cy="9144000"/>
@@ -104,6 +106,11 @@
       </a:defRPr>
     </a:lvl9pPr>
   </p:defaultTextStyle>
+  <p:extLst>
+    <p:ext uri="{EFAFB233-063F-42B5-8137-9DF3F51BA10A}">
+      <p15:sldGuideLst xmlns:p15="http://schemas.microsoft.com/office/powerpoint/2012/main"/>
+    </p:ext>
+  </p:extLst>
 </p:presentation>
 </file>
 
@@ -157,7 +164,7 @@
           <a:noFill/>
           <a:extLst>
             <a:ext uri="{909E8E84-426E-40dd-AFC4-6F175D3DCCD1}">
-              <a14:hiddenFill xmlns:a14="http://schemas.microsoft.com/office/drawing/2010/main" xmlns="">
+              <a14:hiddenFill xmlns="" xmlns:a14="http://schemas.microsoft.com/office/drawing/2010/main">
                 <a:solidFill>
                   <a:srgbClr val="FFFFFF"/>
                 </a:solidFill>
@@ -217,7 +224,7 @@
             </a:ln>
             <a:extLst>
               <a:ext uri="{91240B29-F687-4f45-9708-019B960494DF}">
-                <a14:hiddenLine xmlns:a14="http://schemas.microsoft.com/office/drawing/2010/main" xmlns="" w="9525">
+                <a14:hiddenLine xmlns="" xmlns:a14="http://schemas.microsoft.com/office/drawing/2010/main" w="9525">
                   <a:solidFill>
                     <a:srgbClr val="000000"/>
                   </a:solidFill>
@@ -307,7 +314,7 @@
             </a:ln>
             <a:extLst>
               <a:ext uri="{91240B29-F687-4f45-9708-019B960494DF}">
-                <a14:hiddenLine xmlns:a14="http://schemas.microsoft.com/office/drawing/2010/main" xmlns="" w="9525">
+                <a14:hiddenLine xmlns="" xmlns:a14="http://schemas.microsoft.com/office/drawing/2010/main" w="9525">
                   <a:solidFill>
                     <a:srgbClr val="000000"/>
                   </a:solidFill>
@@ -397,7 +404,7 @@
             </a:ln>
             <a:extLst>
               <a:ext uri="{91240B29-F687-4f45-9708-019B960494DF}">
-                <a14:hiddenLine xmlns:a14="http://schemas.microsoft.com/office/drawing/2010/main" xmlns="" w="9525">
+                <a14:hiddenLine xmlns="" xmlns:a14="http://schemas.microsoft.com/office/drawing/2010/main" w="9525">
                   <a:solidFill>
                     <a:srgbClr val="000000"/>
                   </a:solidFill>
@@ -431,7 +438,7 @@
             </a:ln>
             <a:extLst>
               <a:ext uri="{91240B29-F687-4f45-9708-019B960494DF}">
-                <a14:hiddenLine xmlns:a14="http://schemas.microsoft.com/office/drawing/2010/main" xmlns="" w="9525">
+                <a14:hiddenLine xmlns="" xmlns:a14="http://schemas.microsoft.com/office/drawing/2010/main" w="9525">
                   <a:solidFill>
                     <a:srgbClr val="000000"/>
                   </a:solidFill>
@@ -521,7 +528,7 @@
             </a:ln>
             <a:extLst>
               <a:ext uri="{91240B29-F687-4f45-9708-019B960494DF}">
-                <a14:hiddenLine xmlns:a14="http://schemas.microsoft.com/office/drawing/2010/main" xmlns="" w="9525">
+                <a14:hiddenLine xmlns="" xmlns:a14="http://schemas.microsoft.com/office/drawing/2010/main" w="9525">
                   <a:solidFill>
                     <a:srgbClr val="000000"/>
                   </a:solidFill>
@@ -583,7 +590,7 @@
             </a:ln>
             <a:extLst>
               <a:ext uri="{91240B29-F687-4f45-9708-019B960494DF}">
-                <a14:hiddenLine xmlns:a14="http://schemas.microsoft.com/office/drawing/2010/main" xmlns="" w="9525">
+                <a14:hiddenLine xmlns="" xmlns:a14="http://schemas.microsoft.com/office/drawing/2010/main" w="9525">
                   <a:solidFill>
                     <a:srgbClr val="000000"/>
                   </a:solidFill>
@@ -645,7 +652,7 @@
             </a:ln>
             <a:extLst>
               <a:ext uri="{91240B29-F687-4f45-9708-019B960494DF}">
-                <a14:hiddenLine xmlns:a14="http://schemas.microsoft.com/office/drawing/2010/main" xmlns="" w="9525">
+                <a14:hiddenLine xmlns="" xmlns:a14="http://schemas.microsoft.com/office/drawing/2010/main" w="9525">
                   <a:solidFill>
                     <a:srgbClr val="000000"/>
                   </a:solidFill>
@@ -735,7 +742,7 @@
             </a:ln>
             <a:extLst>
               <a:ext uri="{91240B29-F687-4f45-9708-019B960494DF}">
-                <a14:hiddenLine xmlns:a14="http://schemas.microsoft.com/office/drawing/2010/main" xmlns="" w="9525">
+                <a14:hiddenLine xmlns="" xmlns:a14="http://schemas.microsoft.com/office/drawing/2010/main" w="9525">
                   <a:solidFill>
                     <a:srgbClr val="000000"/>
                   </a:solidFill>
@@ -797,7 +804,7 @@
             </a:ln>
             <a:extLst>
               <a:ext uri="{91240B29-F687-4f45-9708-019B960494DF}">
-                <a14:hiddenLine xmlns:a14="http://schemas.microsoft.com/office/drawing/2010/main" xmlns="" w="9525">
+                <a14:hiddenLine xmlns="" xmlns:a14="http://schemas.microsoft.com/office/drawing/2010/main" w="9525">
                   <a:solidFill>
                     <a:srgbClr val="000000"/>
                   </a:solidFill>
@@ -859,7 +866,7 @@
             </a:ln>
             <a:extLst>
               <a:ext uri="{91240B29-F687-4f45-9708-019B960494DF}">
-                <a14:hiddenLine xmlns:a14="http://schemas.microsoft.com/office/drawing/2010/main" xmlns="" w="9525">
+                <a14:hiddenLine xmlns="" xmlns:a14="http://schemas.microsoft.com/office/drawing/2010/main" w="9525">
                   <a:solidFill>
                     <a:srgbClr val="000000"/>
                   </a:solidFill>
@@ -949,7 +956,7 @@
             </a:ln>
             <a:extLst>
               <a:ext uri="{91240B29-F687-4f45-9708-019B960494DF}">
-                <a14:hiddenLine xmlns:a14="http://schemas.microsoft.com/office/drawing/2010/main" xmlns="" w="9525">
+                <a14:hiddenLine xmlns="" xmlns:a14="http://schemas.microsoft.com/office/drawing/2010/main" w="9525">
                   <a:solidFill>
                     <a:srgbClr val="000000"/>
                   </a:solidFill>
@@ -1039,7 +1046,7 @@
             </a:ln>
             <a:extLst>
               <a:ext uri="{91240B29-F687-4f45-9708-019B960494DF}">
-                <a14:hiddenLine xmlns:a14="http://schemas.microsoft.com/office/drawing/2010/main" xmlns="" w="9525">
+                <a14:hiddenLine xmlns="" xmlns:a14="http://schemas.microsoft.com/office/drawing/2010/main" w="9525">
                   <a:solidFill>
                     <a:srgbClr val="000000"/>
                   </a:solidFill>
@@ -1101,7 +1108,7 @@
             </a:ln>
             <a:extLst>
               <a:ext uri="{91240B29-F687-4f45-9708-019B960494DF}">
-                <a14:hiddenLine xmlns:a14="http://schemas.microsoft.com/office/drawing/2010/main" xmlns="" w="9525">
+                <a14:hiddenLine xmlns="" xmlns:a14="http://schemas.microsoft.com/office/drawing/2010/main" w="9525">
                   <a:solidFill>
                     <a:srgbClr val="000000"/>
                   </a:solidFill>
@@ -1211,7 +1218,7 @@
             </a:ln>
             <a:extLst>
               <a:ext uri="{91240B29-F687-4f45-9708-019B960494DF}">
-                <a14:hiddenLine xmlns:a14="http://schemas.microsoft.com/office/drawing/2010/main" xmlns="" w="9525">
+                <a14:hiddenLine xmlns="" xmlns:a14="http://schemas.microsoft.com/office/drawing/2010/main" w="9525">
                   <a:solidFill>
                     <a:srgbClr val="000000"/>
                   </a:solidFill>
@@ -1273,7 +1280,7 @@
             </a:ln>
             <a:extLst>
               <a:ext uri="{91240B29-F687-4f45-9708-019B960494DF}">
-                <a14:hiddenLine xmlns:a14="http://schemas.microsoft.com/office/drawing/2010/main" xmlns="" w="9525">
+                <a14:hiddenLine xmlns="" xmlns:a14="http://schemas.microsoft.com/office/drawing/2010/main" w="9525">
                   <a:solidFill>
                     <a:srgbClr val="000000"/>
                   </a:solidFill>
@@ -1363,7 +1370,7 @@
             </a:ln>
             <a:extLst>
               <a:ext uri="{91240B29-F687-4f45-9708-019B960494DF}">
-                <a14:hiddenLine xmlns:a14="http://schemas.microsoft.com/office/drawing/2010/main" xmlns="" w="9525">
+                <a14:hiddenLine xmlns="" xmlns:a14="http://schemas.microsoft.com/office/drawing/2010/main" w="9525">
                   <a:solidFill>
                     <a:srgbClr val="000000"/>
                   </a:solidFill>
@@ -1453,7 +1460,7 @@
             </a:ln>
             <a:extLst>
               <a:ext uri="{91240B29-F687-4f45-9708-019B960494DF}">
-                <a14:hiddenLine xmlns:a14="http://schemas.microsoft.com/office/drawing/2010/main" xmlns="" w="9525">
+                <a14:hiddenLine xmlns="" xmlns:a14="http://schemas.microsoft.com/office/drawing/2010/main" w="9525">
                   <a:solidFill>
                     <a:srgbClr val="000000"/>
                   </a:solidFill>
@@ -1515,7 +1522,7 @@
             </a:ln>
             <a:extLst>
               <a:ext uri="{91240B29-F687-4f45-9708-019B960494DF}">
-                <a14:hiddenLine xmlns:a14="http://schemas.microsoft.com/office/drawing/2010/main" xmlns="" w="9525">
+                <a14:hiddenLine xmlns="" xmlns:a14="http://schemas.microsoft.com/office/drawing/2010/main" w="9525">
                   <a:solidFill>
                     <a:srgbClr val="000000"/>
                   </a:solidFill>
@@ -1605,7 +1612,7 @@
             </a:ln>
             <a:extLst>
               <a:ext uri="{91240B29-F687-4f45-9708-019B960494DF}">
-                <a14:hiddenLine xmlns:a14="http://schemas.microsoft.com/office/drawing/2010/main" xmlns="" w="9525">
+                <a14:hiddenLine xmlns="" xmlns:a14="http://schemas.microsoft.com/office/drawing/2010/main" w="9525">
                   <a:solidFill>
                     <a:srgbClr val="000000"/>
                   </a:solidFill>
@@ -1695,7 +1702,7 @@
             </a:ln>
             <a:extLst>
               <a:ext uri="{91240B29-F687-4f45-9708-019B960494DF}">
-                <a14:hiddenLine xmlns:a14="http://schemas.microsoft.com/office/drawing/2010/main" xmlns="" w="9525">
+                <a14:hiddenLine xmlns="" xmlns:a14="http://schemas.microsoft.com/office/drawing/2010/main" w="9525">
                   <a:solidFill>
                     <a:srgbClr val="000000"/>
                   </a:solidFill>
@@ -1751,7 +1758,7 @@
             </a:ln>
             <a:extLst>
               <a:ext uri="{91240B29-F687-4f45-9708-019B960494DF}">
-                <a14:hiddenLine xmlns:a14="http://schemas.microsoft.com/office/drawing/2010/main" xmlns="" w="9525">
+                <a14:hiddenLine xmlns="" xmlns:a14="http://schemas.microsoft.com/office/drawing/2010/main" w="9525">
                   <a:solidFill>
                     <a:srgbClr val="000000"/>
                   </a:solidFill>
@@ -1841,7 +1848,7 @@
             </a:ln>
             <a:extLst>
               <a:ext uri="{91240B29-F687-4f45-9708-019B960494DF}">
-                <a14:hiddenLine xmlns:a14="http://schemas.microsoft.com/office/drawing/2010/main" xmlns="" w="9525">
+                <a14:hiddenLine xmlns="" xmlns:a14="http://schemas.microsoft.com/office/drawing/2010/main" w="9525">
                   <a:solidFill>
                     <a:srgbClr val="000000"/>
                   </a:solidFill>
@@ -1897,7 +1904,7 @@
             </a:ln>
             <a:extLst>
               <a:ext uri="{91240B29-F687-4f45-9708-019B960494DF}">
-                <a14:hiddenLine xmlns:a14="http://schemas.microsoft.com/office/drawing/2010/main" xmlns="" w="9525">
+                <a14:hiddenLine xmlns="" xmlns:a14="http://schemas.microsoft.com/office/drawing/2010/main" w="9525">
                   <a:solidFill>
                     <a:srgbClr val="000000"/>
                   </a:solidFill>
@@ -1987,7 +1994,7 @@
             </a:ln>
             <a:extLst>
               <a:ext uri="{91240B29-F687-4f45-9708-019B960494DF}">
-                <a14:hiddenLine xmlns:a14="http://schemas.microsoft.com/office/drawing/2010/main" xmlns="" w="9525">
+                <a14:hiddenLine xmlns="" xmlns:a14="http://schemas.microsoft.com/office/drawing/2010/main" w="9525">
                   <a:solidFill>
                     <a:srgbClr val="000000"/>
                   </a:solidFill>
@@ -2055,7 +2062,7 @@
             </a:ln>
             <a:extLst>
               <a:ext uri="{91240B29-F687-4f45-9708-019B960494DF}">
-                <a14:hiddenLine xmlns:a14="http://schemas.microsoft.com/office/drawing/2010/main" xmlns="" w="9525">
+                <a14:hiddenLine xmlns="" xmlns:a14="http://schemas.microsoft.com/office/drawing/2010/main" w="9525">
                   <a:solidFill>
                     <a:srgbClr val="000000"/>
                   </a:solidFill>
@@ -2145,7 +2152,7 @@
             </a:ln>
             <a:extLst>
               <a:ext uri="{91240B29-F687-4f45-9708-019B960494DF}">
-                <a14:hiddenLine xmlns:a14="http://schemas.microsoft.com/office/drawing/2010/main" xmlns="" w="9525">
+                <a14:hiddenLine xmlns="" xmlns:a14="http://schemas.microsoft.com/office/drawing/2010/main" w="9525">
                   <a:solidFill>
                     <a:srgbClr val="000000"/>
                   </a:solidFill>
@@ -2213,7 +2220,7 @@
             </a:ln>
             <a:extLst>
               <a:ext uri="{91240B29-F687-4f45-9708-019B960494DF}">
-                <a14:hiddenLine xmlns:a14="http://schemas.microsoft.com/office/drawing/2010/main" xmlns="" w="9525">
+                <a14:hiddenLine xmlns="" xmlns:a14="http://schemas.microsoft.com/office/drawing/2010/main" w="9525">
                   <a:solidFill>
                     <a:srgbClr val="000000"/>
                   </a:solidFill>
@@ -2303,7 +2310,7 @@
             </a:ln>
             <a:extLst>
               <a:ext uri="{91240B29-F687-4f45-9708-019B960494DF}">
-                <a14:hiddenLine xmlns:a14="http://schemas.microsoft.com/office/drawing/2010/main" xmlns="" w="9525">
+                <a14:hiddenLine xmlns="" xmlns:a14="http://schemas.microsoft.com/office/drawing/2010/main" w="9525">
                   <a:solidFill>
                     <a:srgbClr val="000000"/>
                   </a:solidFill>
@@ -2337,7 +2344,7 @@
             </a:ln>
             <a:extLst>
               <a:ext uri="{91240B29-F687-4f45-9708-019B960494DF}">
-                <a14:hiddenLine xmlns:a14="http://schemas.microsoft.com/office/drawing/2010/main" xmlns="" w="9525">
+                <a14:hiddenLine xmlns="" xmlns:a14="http://schemas.microsoft.com/office/drawing/2010/main" w="9525">
                   <a:solidFill>
                     <a:srgbClr val="000000"/>
                   </a:solidFill>
@@ -2427,7 +2434,7 @@
             </a:ln>
             <a:extLst>
               <a:ext uri="{91240B29-F687-4f45-9708-019B960494DF}">
-                <a14:hiddenLine xmlns:a14="http://schemas.microsoft.com/office/drawing/2010/main" xmlns="" w="9525">
+                <a14:hiddenLine xmlns="" xmlns:a14="http://schemas.microsoft.com/office/drawing/2010/main" w="9525">
                   <a:solidFill>
                     <a:srgbClr val="000000"/>
                   </a:solidFill>
@@ -2489,7 +2496,7 @@
             </a:ln>
             <a:extLst>
               <a:ext uri="{91240B29-F687-4f45-9708-019B960494DF}">
-                <a14:hiddenLine xmlns:a14="http://schemas.microsoft.com/office/drawing/2010/main" xmlns="" w="9525">
+                <a14:hiddenLine xmlns="" xmlns:a14="http://schemas.microsoft.com/office/drawing/2010/main" w="9525">
                   <a:solidFill>
                     <a:srgbClr val="000000"/>
                   </a:solidFill>
@@ -2551,7 +2558,7 @@
             </a:ln>
             <a:extLst>
               <a:ext uri="{91240B29-F687-4f45-9708-019B960494DF}">
-                <a14:hiddenLine xmlns:a14="http://schemas.microsoft.com/office/drawing/2010/main" xmlns="" w="9525">
+                <a14:hiddenLine xmlns="" xmlns:a14="http://schemas.microsoft.com/office/drawing/2010/main" w="9525">
                   <a:solidFill>
                     <a:srgbClr val="000000"/>
                   </a:solidFill>
@@ -2641,7 +2648,7 @@
             </a:ln>
             <a:extLst>
               <a:ext uri="{91240B29-F687-4f45-9708-019B960494DF}">
-                <a14:hiddenLine xmlns:a14="http://schemas.microsoft.com/office/drawing/2010/main" xmlns="" w="9525">
+                <a14:hiddenLine xmlns="" xmlns:a14="http://schemas.microsoft.com/office/drawing/2010/main" w="9525">
                   <a:solidFill>
                     <a:srgbClr val="000000"/>
                   </a:solidFill>
@@ -2709,7 +2716,7 @@
             </a:ln>
             <a:extLst>
               <a:ext uri="{91240B29-F687-4f45-9708-019B960494DF}">
-                <a14:hiddenLine xmlns:a14="http://schemas.microsoft.com/office/drawing/2010/main" xmlns="" w="9525">
+                <a14:hiddenLine xmlns="" xmlns:a14="http://schemas.microsoft.com/office/drawing/2010/main" w="9525">
                   <a:solidFill>
                     <a:srgbClr val="000000"/>
                   </a:solidFill>
@@ -2771,7 +2778,7 @@
             </a:ln>
             <a:extLst>
               <a:ext uri="{91240B29-F687-4f45-9708-019B960494DF}">
-                <a14:hiddenLine xmlns:a14="http://schemas.microsoft.com/office/drawing/2010/main" xmlns="" w="9525">
+                <a14:hiddenLine xmlns="" xmlns:a14="http://schemas.microsoft.com/office/drawing/2010/main" w="9525">
                   <a:solidFill>
                     <a:srgbClr val="000000"/>
                   </a:solidFill>
@@ -2861,7 +2868,7 @@
             </a:ln>
             <a:extLst>
               <a:ext uri="{91240B29-F687-4f45-9708-019B960494DF}">
-                <a14:hiddenLine xmlns:a14="http://schemas.microsoft.com/office/drawing/2010/main" xmlns="" w="9525">
+                <a14:hiddenLine xmlns="" xmlns:a14="http://schemas.microsoft.com/office/drawing/2010/main" w="9525">
                   <a:solidFill>
                     <a:srgbClr val="000000"/>
                   </a:solidFill>
@@ -2923,7 +2930,7 @@
             </a:ln>
             <a:extLst>
               <a:ext uri="{91240B29-F687-4f45-9708-019B960494DF}">
-                <a14:hiddenLine xmlns:a14="http://schemas.microsoft.com/office/drawing/2010/main" xmlns="" w="9525">
+                <a14:hiddenLine xmlns="" xmlns:a14="http://schemas.microsoft.com/office/drawing/2010/main" w="9525">
                   <a:solidFill>
                     <a:srgbClr val="000000"/>
                   </a:solidFill>
@@ -3013,7 +3020,7 @@
             </a:ln>
             <a:extLst>
               <a:ext uri="{91240B29-F687-4f45-9708-019B960494DF}">
-                <a14:hiddenLine xmlns:a14="http://schemas.microsoft.com/office/drawing/2010/main" xmlns="" w="9525">
+                <a14:hiddenLine xmlns="" xmlns:a14="http://schemas.microsoft.com/office/drawing/2010/main" w="9525">
                   <a:solidFill>
                     <a:srgbClr val="000000"/>
                   </a:solidFill>
@@ -3075,7 +3082,7 @@
             </a:ln>
             <a:extLst>
               <a:ext uri="{91240B29-F687-4f45-9708-019B960494DF}">
-                <a14:hiddenLine xmlns:a14="http://schemas.microsoft.com/office/drawing/2010/main" xmlns="" w="9525">
+                <a14:hiddenLine xmlns="" xmlns:a14="http://schemas.microsoft.com/office/drawing/2010/main" w="9525">
                   <a:solidFill>
                     <a:srgbClr val="000000"/>
                   </a:solidFill>
@@ -3165,7 +3172,7 @@
             </a:ln>
             <a:extLst>
               <a:ext uri="{91240B29-F687-4f45-9708-019B960494DF}">
-                <a14:hiddenLine xmlns:a14="http://schemas.microsoft.com/office/drawing/2010/main" xmlns="" w="9525">
+                <a14:hiddenLine xmlns="" xmlns:a14="http://schemas.microsoft.com/office/drawing/2010/main" w="9525">
                   <a:solidFill>
                     <a:srgbClr val="000000"/>
                   </a:solidFill>
@@ -3199,7 +3206,7 @@
             </a:ln>
             <a:extLst>
               <a:ext uri="{91240B29-F687-4f45-9708-019B960494DF}">
-                <a14:hiddenLine xmlns:a14="http://schemas.microsoft.com/office/drawing/2010/main" xmlns="" w="9525">
+                <a14:hiddenLine xmlns="" xmlns:a14="http://schemas.microsoft.com/office/drawing/2010/main" w="9525">
                   <a:solidFill>
                     <a:srgbClr val="000000"/>
                   </a:solidFill>
@@ -3264,7 +3271,7 @@
             </a:ln>
             <a:extLst>
               <a:ext uri="{91240B29-F687-4f45-9708-019B960494DF}">
-                <a14:hiddenLine xmlns:a14="http://schemas.microsoft.com/office/drawing/2010/main" xmlns="" w="9525">
+                <a14:hiddenLine xmlns="" xmlns:a14="http://schemas.microsoft.com/office/drawing/2010/main" w="9525">
                   <a:solidFill>
                     <a:srgbClr val="000000"/>
                   </a:solidFill>
@@ -3354,7 +3361,7 @@
             </a:ln>
             <a:extLst>
               <a:ext uri="{91240B29-F687-4f45-9708-019B960494DF}">
-                <a14:hiddenLine xmlns:a14="http://schemas.microsoft.com/office/drawing/2010/main" xmlns="" w="9525">
+                <a14:hiddenLine xmlns="" xmlns:a14="http://schemas.microsoft.com/office/drawing/2010/main" w="9525">
                   <a:solidFill>
                     <a:srgbClr val="000000"/>
                   </a:solidFill>
@@ -3416,7 +3423,7 @@
             </a:ln>
             <a:extLst>
               <a:ext uri="{91240B29-F687-4f45-9708-019B960494DF}">
-                <a14:hiddenLine xmlns:a14="http://schemas.microsoft.com/office/drawing/2010/main" xmlns="" w="9525">
+                <a14:hiddenLine xmlns="" xmlns:a14="http://schemas.microsoft.com/office/drawing/2010/main" w="9525">
                   <a:solidFill>
                     <a:srgbClr val="000000"/>
                   </a:solidFill>
@@ -3506,7 +3513,7 @@
             </a:ln>
             <a:extLst>
               <a:ext uri="{91240B29-F687-4f45-9708-019B960494DF}">
-                <a14:hiddenLine xmlns:a14="http://schemas.microsoft.com/office/drawing/2010/main" xmlns="" w="9525">
+                <a14:hiddenLine xmlns="" xmlns:a14="http://schemas.microsoft.com/office/drawing/2010/main" w="9525">
                   <a:solidFill>
                     <a:srgbClr val="000000"/>
                   </a:solidFill>
@@ -3596,7 +3603,7 @@
             </a:ln>
             <a:extLst>
               <a:ext uri="{91240B29-F687-4f45-9708-019B960494DF}">
-                <a14:hiddenLine xmlns:a14="http://schemas.microsoft.com/office/drawing/2010/main" xmlns="" w="9525">
+                <a14:hiddenLine xmlns="" xmlns:a14="http://schemas.microsoft.com/office/drawing/2010/main" w="9525">
                   <a:solidFill>
                     <a:srgbClr val="000000"/>
                   </a:solidFill>
@@ -3661,7 +3668,7 @@
             </a:ln>
             <a:extLst>
               <a:ext uri="{91240B29-F687-4f45-9708-019B960494DF}">
-                <a14:hiddenLine xmlns:a14="http://schemas.microsoft.com/office/drawing/2010/main" xmlns="" w="9525">
+                <a14:hiddenLine xmlns="" xmlns:a14="http://schemas.microsoft.com/office/drawing/2010/main" w="9525">
                   <a:solidFill>
                     <a:srgbClr val="000000"/>
                   </a:solidFill>
@@ -3723,7 +3730,7 @@
             </a:ln>
             <a:extLst>
               <a:ext uri="{91240B29-F687-4f45-9708-019B960494DF}">
-                <a14:hiddenLine xmlns:a14="http://schemas.microsoft.com/office/drawing/2010/main" xmlns="" w="9525">
+                <a14:hiddenLine xmlns="" xmlns:a14="http://schemas.microsoft.com/office/drawing/2010/main" w="9525">
                   <a:solidFill>
                     <a:srgbClr val="000000"/>
                   </a:solidFill>
@@ -3813,7 +3820,7 @@
             </a:ln>
             <a:extLst>
               <a:ext uri="{91240B29-F687-4f45-9708-019B960494DF}">
-                <a14:hiddenLine xmlns:a14="http://schemas.microsoft.com/office/drawing/2010/main" xmlns="" w="9525">
+                <a14:hiddenLine xmlns="" xmlns:a14="http://schemas.microsoft.com/office/drawing/2010/main" w="9525">
                   <a:solidFill>
                     <a:srgbClr val="000000"/>
                   </a:solidFill>
@@ -3903,7 +3910,7 @@
             </a:ln>
             <a:extLst>
               <a:ext uri="{91240B29-F687-4f45-9708-019B960494DF}">
-                <a14:hiddenLine xmlns:a14="http://schemas.microsoft.com/office/drawing/2010/main" xmlns="" w="9525">
+                <a14:hiddenLine xmlns="" xmlns:a14="http://schemas.microsoft.com/office/drawing/2010/main" w="9525">
                   <a:solidFill>
                     <a:srgbClr val="000000"/>
                   </a:solidFill>
@@ -3965,7 +3972,7 @@
             </a:ln>
             <a:extLst>
               <a:ext uri="{91240B29-F687-4f45-9708-019B960494DF}">
-                <a14:hiddenLine xmlns:a14="http://schemas.microsoft.com/office/drawing/2010/main" xmlns="" w="9525">
+                <a14:hiddenLine xmlns="" xmlns:a14="http://schemas.microsoft.com/office/drawing/2010/main" w="9525">
                   <a:solidFill>
                     <a:srgbClr val="000000"/>
                   </a:solidFill>
@@ -4085,7 +4092,7 @@
             </a:ln>
             <a:extLst>
               <a:ext uri="{91240B29-F687-4f45-9708-019B960494DF}">
-                <a14:hiddenLine xmlns:a14="http://schemas.microsoft.com/office/drawing/2010/main" xmlns="" w="9525">
+                <a14:hiddenLine xmlns="" xmlns:a14="http://schemas.microsoft.com/office/drawing/2010/main" w="9525">
                   <a:solidFill>
                     <a:srgbClr val="000000"/>
                   </a:solidFill>
@@ -4153,7 +4160,7 @@
             </a:ln>
             <a:extLst>
               <a:ext uri="{91240B29-F687-4f45-9708-019B960494DF}">
-                <a14:hiddenLine xmlns:a14="http://schemas.microsoft.com/office/drawing/2010/main" xmlns="" w="9525">
+                <a14:hiddenLine xmlns="" xmlns:a14="http://schemas.microsoft.com/office/drawing/2010/main" w="9525">
                   <a:solidFill>
                     <a:srgbClr val="000000"/>
                   </a:solidFill>
@@ -4243,7 +4250,7 @@
             </a:ln>
             <a:extLst>
               <a:ext uri="{91240B29-F687-4f45-9708-019B960494DF}">
-                <a14:hiddenLine xmlns:a14="http://schemas.microsoft.com/office/drawing/2010/main" xmlns="" w="9525">
+                <a14:hiddenLine xmlns="" xmlns:a14="http://schemas.microsoft.com/office/drawing/2010/main" w="9525">
                   <a:solidFill>
                     <a:srgbClr val="000000"/>
                   </a:solidFill>
@@ -4383,7 +4390,7 @@
           <a:p>
             <a:fld id="{D298673D-1BCA-4FA7-829E-2AFA6E04BF94}" type="datetimeFigureOut">
               <a:rPr lang="he-IL" smtClean="0"/>
-              <a:t>כ"ג/אדר/תשע"ה</a:t>
+              <a:t>א'/ניסן/תשע"ה</a:t>
             </a:fld>
             <a:endParaRPr lang="he-IL"/>
           </a:p>
@@ -4650,7 +4657,7 @@
           <a:p>
             <a:fld id="{D298673D-1BCA-4FA7-829E-2AFA6E04BF94}" type="datetimeFigureOut">
               <a:rPr lang="he-IL" smtClean="0"/>
-              <a:t>כ"ג/אדר/תשע"ה</a:t>
+              <a:t>א'/ניסן/תשע"ה</a:t>
             </a:fld>
             <a:endParaRPr lang="he-IL"/>
           </a:p>
@@ -4846,7 +4853,7 @@
           <a:p>
             <a:fld id="{D298673D-1BCA-4FA7-829E-2AFA6E04BF94}" type="datetimeFigureOut">
               <a:rPr lang="he-IL" smtClean="0"/>
-              <a:t>כ"ג/אדר/תשע"ה</a:t>
+              <a:t>א'/ניסן/תשע"ה</a:t>
             </a:fld>
             <a:endParaRPr lang="he-IL"/>
           </a:p>
@@ -5109,7 +5116,7 @@
           <a:p>
             <a:fld id="{D298673D-1BCA-4FA7-829E-2AFA6E04BF94}" type="datetimeFigureOut">
               <a:rPr lang="he-IL" smtClean="0"/>
-              <a:t>כ"ג/אדר/תשע"ה</a:t>
+              <a:t>א'/ניסן/תשע"ה</a:t>
             </a:fld>
             <a:endParaRPr lang="he-IL"/>
           </a:p>
@@ -5543,7 +5550,7 @@
           <a:p>
             <a:fld id="{D298673D-1BCA-4FA7-829E-2AFA6E04BF94}" type="datetimeFigureOut">
               <a:rPr lang="he-IL" smtClean="0"/>
-              <a:t>כ"ג/אדר/תשע"ה</a:t>
+              <a:t>א'/ניסן/תשע"ה</a:t>
             </a:fld>
             <a:endParaRPr lang="he-IL"/>
           </a:p>
@@ -6089,7 +6096,7 @@
           <a:p>
             <a:fld id="{D298673D-1BCA-4FA7-829E-2AFA6E04BF94}" type="datetimeFigureOut">
               <a:rPr lang="he-IL" smtClean="0"/>
-              <a:t>כ"ג/אדר/תשע"ה</a:t>
+              <a:t>א'/ניסן/תשע"ה</a:t>
             </a:fld>
             <a:endParaRPr lang="he-IL"/>
           </a:p>
@@ -6809,7 +6816,7 @@
           <a:p>
             <a:fld id="{D298673D-1BCA-4FA7-829E-2AFA6E04BF94}" type="datetimeFigureOut">
               <a:rPr lang="he-IL" smtClean="0"/>
-              <a:t>כ"ג/אדר/תשע"ה</a:t>
+              <a:t>א'/ניסן/תשע"ה</a:t>
             </a:fld>
             <a:endParaRPr lang="he-IL"/>
           </a:p>
@@ -6979,7 +6986,7 @@
           <a:p>
             <a:fld id="{D298673D-1BCA-4FA7-829E-2AFA6E04BF94}" type="datetimeFigureOut">
               <a:rPr lang="he-IL" smtClean="0"/>
-              <a:t>כ"ג/אדר/תשע"ה</a:t>
+              <a:t>א'/ניסן/תשע"ה</a:t>
             </a:fld>
             <a:endParaRPr lang="he-IL"/>
           </a:p>
@@ -7159,7 +7166,7 @@
           <a:p>
             <a:fld id="{D298673D-1BCA-4FA7-829E-2AFA6E04BF94}" type="datetimeFigureOut">
               <a:rPr lang="he-IL" smtClean="0"/>
-              <a:t>כ"ג/אדר/תשע"ה</a:t>
+              <a:t>א'/ניסן/תשע"ה</a:t>
             </a:fld>
             <a:endParaRPr lang="he-IL"/>
           </a:p>
@@ -7329,7 +7336,7 @@
           <a:p>
             <a:fld id="{D298673D-1BCA-4FA7-829E-2AFA6E04BF94}" type="datetimeFigureOut">
               <a:rPr lang="he-IL" smtClean="0"/>
-              <a:t>כ"ג/אדר/תשע"ה</a:t>
+              <a:t>א'/ניסן/תשע"ה</a:t>
             </a:fld>
             <a:endParaRPr lang="he-IL"/>
           </a:p>
@@ -7579,7 +7586,7 @@
           <a:p>
             <a:fld id="{D298673D-1BCA-4FA7-829E-2AFA6E04BF94}" type="datetimeFigureOut">
               <a:rPr lang="he-IL" smtClean="0"/>
-              <a:t>כ"ג/אדר/תשע"ה</a:t>
+              <a:t>א'/ניסן/תשע"ה</a:t>
             </a:fld>
             <a:endParaRPr lang="he-IL"/>
           </a:p>
@@ -7811,7 +7818,7 @@
           <a:p>
             <a:fld id="{D298673D-1BCA-4FA7-829E-2AFA6E04BF94}" type="datetimeFigureOut">
               <a:rPr lang="he-IL" smtClean="0"/>
-              <a:t>כ"ג/אדר/תשע"ה</a:t>
+              <a:t>א'/ניסן/תשע"ה</a:t>
             </a:fld>
             <a:endParaRPr lang="he-IL"/>
           </a:p>
@@ -8192,7 +8199,7 @@
           <a:p>
             <a:fld id="{D298673D-1BCA-4FA7-829E-2AFA6E04BF94}" type="datetimeFigureOut">
               <a:rPr lang="he-IL" smtClean="0"/>
-              <a:t>כ"ג/אדר/תשע"ה</a:t>
+              <a:t>א'/ניסן/תשע"ה</a:t>
             </a:fld>
             <a:endParaRPr lang="he-IL"/>
           </a:p>
@@ -8310,7 +8317,7 @@
           <a:p>
             <a:fld id="{D298673D-1BCA-4FA7-829E-2AFA6E04BF94}" type="datetimeFigureOut">
               <a:rPr lang="he-IL" smtClean="0"/>
-              <a:t>כ"ג/אדר/תשע"ה</a:t>
+              <a:t>א'/ניסן/תשע"ה</a:t>
             </a:fld>
             <a:endParaRPr lang="he-IL"/>
           </a:p>
@@ -8405,7 +8412,7 @@
           <a:p>
             <a:fld id="{D298673D-1BCA-4FA7-829E-2AFA6E04BF94}" type="datetimeFigureOut">
               <a:rPr lang="he-IL" smtClean="0"/>
-              <a:t>כ"ג/אדר/תשע"ה</a:t>
+              <a:t>א'/ניסן/תשע"ה</a:t>
             </a:fld>
             <a:endParaRPr lang="he-IL"/>
           </a:p>
@@ -8654,7 +8661,7 @@
           <a:p>
             <a:fld id="{D298673D-1BCA-4FA7-829E-2AFA6E04BF94}" type="datetimeFigureOut">
               <a:rPr lang="he-IL" smtClean="0"/>
-              <a:t>כ"ג/אדר/תשע"ה</a:t>
+              <a:t>א'/ניסן/תשע"ה</a:t>
             </a:fld>
             <a:endParaRPr lang="he-IL"/>
           </a:p>
@@ -8934,7 +8941,7 @@
           <a:p>
             <a:fld id="{D298673D-1BCA-4FA7-829E-2AFA6E04BF94}" type="datetimeFigureOut">
               <a:rPr lang="he-IL" smtClean="0"/>
-              <a:t>כ"ג/אדר/תשע"ה</a:t>
+              <a:t>א'/ניסן/תשע"ה</a:t>
             </a:fld>
             <a:endParaRPr lang="he-IL"/>
           </a:p>
@@ -9050,7 +9057,7 @@
           <a:noFill/>
           <a:extLst>
             <a:ext uri="{909E8E84-426E-40dd-AFC4-6F175D3DCCD1}">
-              <a14:hiddenFill xmlns:a14="http://schemas.microsoft.com/office/drawing/2010/main" xmlns="">
+              <a14:hiddenFill xmlns="" xmlns:a14="http://schemas.microsoft.com/office/drawing/2010/main">
                 <a:solidFill>
                   <a:srgbClr val="FFFFFF"/>
                 </a:solidFill>
@@ -9124,7 +9131,7 @@
               </a:ln>
               <a:extLst>
                 <a:ext uri="{91240B29-F687-4f45-9708-019B960494DF}">
-                  <a14:hiddenLine xmlns:a14="http://schemas.microsoft.com/office/drawing/2010/main" xmlns="" w="9525">
+                  <a14:hiddenLine xmlns="" xmlns:a14="http://schemas.microsoft.com/office/drawing/2010/main" w="9525">
                     <a:solidFill>
                       <a:srgbClr val="000000"/>
                     </a:solidFill>
@@ -9214,7 +9221,7 @@
               </a:ln>
               <a:extLst>
                 <a:ext uri="{91240B29-F687-4f45-9708-019B960494DF}">
-                  <a14:hiddenLine xmlns:a14="http://schemas.microsoft.com/office/drawing/2010/main" xmlns="" w="9525">
+                  <a14:hiddenLine xmlns="" xmlns:a14="http://schemas.microsoft.com/office/drawing/2010/main" w="9525">
                     <a:solidFill>
                       <a:srgbClr val="000000"/>
                     </a:solidFill>
@@ -9304,7 +9311,7 @@
               </a:ln>
               <a:extLst>
                 <a:ext uri="{91240B29-F687-4f45-9708-019B960494DF}">
-                  <a14:hiddenLine xmlns:a14="http://schemas.microsoft.com/office/drawing/2010/main" xmlns="" w="9525">
+                  <a14:hiddenLine xmlns="" xmlns:a14="http://schemas.microsoft.com/office/drawing/2010/main" w="9525">
                     <a:solidFill>
                       <a:srgbClr val="000000"/>
                     </a:solidFill>
@@ -9366,7 +9373,7 @@
               </a:ln>
               <a:extLst>
                 <a:ext uri="{91240B29-F687-4f45-9708-019B960494DF}">
-                  <a14:hiddenLine xmlns:a14="http://schemas.microsoft.com/office/drawing/2010/main" xmlns="" w="9525">
+                  <a14:hiddenLine xmlns="" xmlns:a14="http://schemas.microsoft.com/office/drawing/2010/main" w="9525">
                     <a:solidFill>
                       <a:srgbClr val="000000"/>
                     </a:solidFill>
@@ -9456,7 +9463,7 @@
               </a:ln>
               <a:extLst>
                 <a:ext uri="{91240B29-F687-4f45-9708-019B960494DF}">
-                  <a14:hiddenLine xmlns:a14="http://schemas.microsoft.com/office/drawing/2010/main" xmlns="" w="9525">
+                  <a14:hiddenLine xmlns="" xmlns:a14="http://schemas.microsoft.com/office/drawing/2010/main" w="9525">
                     <a:solidFill>
                       <a:srgbClr val="000000"/>
                     </a:solidFill>
@@ -9518,7 +9525,7 @@
               </a:ln>
               <a:extLst>
                 <a:ext uri="{91240B29-F687-4f45-9708-019B960494DF}">
-                  <a14:hiddenLine xmlns:a14="http://schemas.microsoft.com/office/drawing/2010/main" xmlns="" w="9525">
+                  <a14:hiddenLine xmlns="" xmlns:a14="http://schemas.microsoft.com/office/drawing/2010/main" w="9525">
                     <a:solidFill>
                       <a:srgbClr val="000000"/>
                     </a:solidFill>
@@ -9580,7 +9587,7 @@
               </a:ln>
               <a:extLst>
                 <a:ext uri="{91240B29-F687-4f45-9708-019B960494DF}">
-                  <a14:hiddenLine xmlns:a14="http://schemas.microsoft.com/office/drawing/2010/main" xmlns="" w="9525">
+                  <a14:hiddenLine xmlns="" xmlns:a14="http://schemas.microsoft.com/office/drawing/2010/main" w="9525">
                     <a:solidFill>
                       <a:srgbClr val="000000"/>
                     </a:solidFill>
@@ -9670,7 +9677,7 @@
               </a:ln>
               <a:extLst>
                 <a:ext uri="{91240B29-F687-4f45-9708-019B960494DF}">
-                  <a14:hiddenLine xmlns:a14="http://schemas.microsoft.com/office/drawing/2010/main" xmlns="" w="9525">
+                  <a14:hiddenLine xmlns="" xmlns:a14="http://schemas.microsoft.com/office/drawing/2010/main" w="9525">
                     <a:solidFill>
                       <a:srgbClr val="000000"/>
                     </a:solidFill>
@@ -9760,7 +9767,7 @@
               </a:ln>
               <a:extLst>
                 <a:ext uri="{91240B29-F687-4f45-9708-019B960494DF}">
-                  <a14:hiddenLine xmlns:a14="http://schemas.microsoft.com/office/drawing/2010/main" xmlns="" w="9525">
+                  <a14:hiddenLine xmlns="" xmlns:a14="http://schemas.microsoft.com/office/drawing/2010/main" w="9525">
                     <a:solidFill>
                       <a:srgbClr val="000000"/>
                     </a:solidFill>
@@ -9822,7 +9829,7 @@
               </a:ln>
               <a:extLst>
                 <a:ext uri="{91240B29-F687-4f45-9708-019B960494DF}">
-                  <a14:hiddenLine xmlns:a14="http://schemas.microsoft.com/office/drawing/2010/main" xmlns="" w="9525">
+                  <a14:hiddenLine xmlns="" xmlns:a14="http://schemas.microsoft.com/office/drawing/2010/main" w="9525">
                     <a:solidFill>
                       <a:srgbClr val="000000"/>
                     </a:solidFill>
@@ -9932,7 +9939,7 @@
               </a:ln>
               <a:extLst>
                 <a:ext uri="{91240B29-F687-4f45-9708-019B960494DF}">
-                  <a14:hiddenLine xmlns:a14="http://schemas.microsoft.com/office/drawing/2010/main" xmlns="" w="9525">
+                  <a14:hiddenLine xmlns="" xmlns:a14="http://schemas.microsoft.com/office/drawing/2010/main" w="9525">
                     <a:solidFill>
                       <a:srgbClr val="000000"/>
                     </a:solidFill>
@@ -10016,7 +10023,7 @@
               </a:ln>
               <a:extLst>
                 <a:ext uri="{91240B29-F687-4f45-9708-019B960494DF}">
-                  <a14:hiddenLine xmlns:a14="http://schemas.microsoft.com/office/drawing/2010/main" xmlns="" w="9525">
+                  <a14:hiddenLine xmlns="" xmlns:a14="http://schemas.microsoft.com/office/drawing/2010/main" w="9525">
                     <a:solidFill>
                       <a:srgbClr val="000000"/>
                     </a:solidFill>
@@ -10078,7 +10085,7 @@
               </a:ln>
               <a:extLst>
                 <a:ext uri="{91240B29-F687-4f45-9708-019B960494DF}">
-                  <a14:hiddenLine xmlns:a14="http://schemas.microsoft.com/office/drawing/2010/main" xmlns="" w="9525">
+                  <a14:hiddenLine xmlns="" xmlns:a14="http://schemas.microsoft.com/office/drawing/2010/main" w="9525">
                     <a:solidFill>
                       <a:srgbClr val="000000"/>
                     </a:solidFill>
@@ -10140,7 +10147,7 @@
               </a:ln>
               <a:extLst>
                 <a:ext uri="{91240B29-F687-4f45-9708-019B960494DF}">
-                  <a14:hiddenLine xmlns:a14="http://schemas.microsoft.com/office/drawing/2010/main" xmlns="" w="9525">
+                  <a14:hiddenLine xmlns="" xmlns:a14="http://schemas.microsoft.com/office/drawing/2010/main" w="9525">
                     <a:solidFill>
                       <a:srgbClr val="000000"/>
                     </a:solidFill>
@@ -10230,7 +10237,7 @@
               </a:ln>
               <a:extLst>
                 <a:ext uri="{91240B29-F687-4f45-9708-019B960494DF}">
-                  <a14:hiddenLine xmlns:a14="http://schemas.microsoft.com/office/drawing/2010/main" xmlns="" w="9525">
+                  <a14:hiddenLine xmlns="" xmlns:a14="http://schemas.microsoft.com/office/drawing/2010/main" w="9525">
                     <a:solidFill>
                       <a:srgbClr val="000000"/>
                     </a:solidFill>
@@ -10264,7 +10271,7 @@
               </a:ln>
               <a:extLst>
                 <a:ext uri="{91240B29-F687-4f45-9708-019B960494DF}">
-                  <a14:hiddenLine xmlns:a14="http://schemas.microsoft.com/office/drawing/2010/main" xmlns="" w="9525">
+                  <a14:hiddenLine xmlns="" xmlns:a14="http://schemas.microsoft.com/office/drawing/2010/main" w="9525">
                     <a:solidFill>
                       <a:srgbClr val="000000"/>
                     </a:solidFill>
@@ -10329,7 +10336,7 @@
               </a:ln>
               <a:extLst>
                 <a:ext uri="{91240B29-F687-4f45-9708-019B960494DF}">
-                  <a14:hiddenLine xmlns:a14="http://schemas.microsoft.com/office/drawing/2010/main" xmlns="" w="9525">
+                  <a14:hiddenLine xmlns="" xmlns:a14="http://schemas.microsoft.com/office/drawing/2010/main" w="9525">
                     <a:solidFill>
                       <a:srgbClr val="000000"/>
                     </a:solidFill>
@@ -10419,7 +10426,7 @@
               </a:ln>
               <a:extLst>
                 <a:ext uri="{91240B29-F687-4f45-9708-019B960494DF}">
-                  <a14:hiddenLine xmlns:a14="http://schemas.microsoft.com/office/drawing/2010/main" xmlns="" w="9525">
+                  <a14:hiddenLine xmlns="" xmlns:a14="http://schemas.microsoft.com/office/drawing/2010/main" w="9525">
                     <a:solidFill>
                       <a:srgbClr val="000000"/>
                     </a:solidFill>
@@ -10481,7 +10488,7 @@
               </a:ln>
               <a:extLst>
                 <a:ext uri="{91240B29-F687-4f45-9708-019B960494DF}">
-                  <a14:hiddenLine xmlns:a14="http://schemas.microsoft.com/office/drawing/2010/main" xmlns="" w="9525">
+                  <a14:hiddenLine xmlns="" xmlns:a14="http://schemas.microsoft.com/office/drawing/2010/main" w="9525">
                     <a:solidFill>
                       <a:srgbClr val="000000"/>
                     </a:solidFill>
@@ -10571,7 +10578,7 @@
               </a:ln>
               <a:extLst>
                 <a:ext uri="{91240B29-F687-4f45-9708-019B960494DF}">
-                  <a14:hiddenLine xmlns:a14="http://schemas.microsoft.com/office/drawing/2010/main" xmlns="" w="9525">
+                  <a14:hiddenLine xmlns="" xmlns:a14="http://schemas.microsoft.com/office/drawing/2010/main" w="9525">
                     <a:solidFill>
                       <a:srgbClr val="000000"/>
                     </a:solidFill>
@@ -10636,7 +10643,7 @@
               </a:ln>
               <a:extLst>
                 <a:ext uri="{91240B29-F687-4f45-9708-019B960494DF}">
-                  <a14:hiddenLine xmlns:a14="http://schemas.microsoft.com/office/drawing/2010/main" xmlns="" w="9525">
+                  <a14:hiddenLine xmlns="" xmlns:a14="http://schemas.microsoft.com/office/drawing/2010/main" w="9525">
                     <a:solidFill>
                       <a:srgbClr val="000000"/>
                     </a:solidFill>
@@ -10698,7 +10705,7 @@
               </a:ln>
               <a:extLst>
                 <a:ext uri="{91240B29-F687-4f45-9708-019B960494DF}">
-                  <a14:hiddenLine xmlns:a14="http://schemas.microsoft.com/office/drawing/2010/main" xmlns="" w="9525">
+                  <a14:hiddenLine xmlns="" xmlns:a14="http://schemas.microsoft.com/office/drawing/2010/main" w="9525">
                     <a:solidFill>
                       <a:srgbClr val="000000"/>
                     </a:solidFill>
@@ -10788,7 +10795,7 @@
               </a:ln>
               <a:extLst>
                 <a:ext uri="{91240B29-F687-4f45-9708-019B960494DF}">
-                  <a14:hiddenLine xmlns:a14="http://schemas.microsoft.com/office/drawing/2010/main" xmlns="" w="9525">
+                  <a14:hiddenLine xmlns="" xmlns:a14="http://schemas.microsoft.com/office/drawing/2010/main" w="9525">
                     <a:solidFill>
                       <a:srgbClr val="000000"/>
                     </a:solidFill>
@@ -10878,7 +10885,7 @@
               </a:ln>
               <a:extLst>
                 <a:ext uri="{91240B29-F687-4f45-9708-019B960494DF}">
-                  <a14:hiddenLine xmlns:a14="http://schemas.microsoft.com/office/drawing/2010/main" xmlns="" w="9525">
+                  <a14:hiddenLine xmlns="" xmlns:a14="http://schemas.microsoft.com/office/drawing/2010/main" w="9525">
                     <a:solidFill>
                       <a:srgbClr val="000000"/>
                     </a:solidFill>
@@ -10943,7 +10950,7 @@
               </a:ln>
               <a:extLst>
                 <a:ext uri="{91240B29-F687-4f45-9708-019B960494DF}">
-                  <a14:hiddenLine xmlns:a14="http://schemas.microsoft.com/office/drawing/2010/main" xmlns="" w="9525">
+                  <a14:hiddenLine xmlns="" xmlns:a14="http://schemas.microsoft.com/office/drawing/2010/main" w="9525">
                     <a:solidFill>
                       <a:srgbClr val="000000"/>
                     </a:solidFill>
@@ -11063,7 +11070,7 @@
               </a:ln>
               <a:extLst>
                 <a:ext uri="{91240B29-F687-4f45-9708-019B960494DF}">
-                  <a14:hiddenLine xmlns:a14="http://schemas.microsoft.com/office/drawing/2010/main" xmlns="" w="9525">
+                  <a14:hiddenLine xmlns="" xmlns:a14="http://schemas.microsoft.com/office/drawing/2010/main" w="9525">
                     <a:solidFill>
                       <a:srgbClr val="000000"/>
                     </a:solidFill>
@@ -11161,7 +11168,7 @@
               </a:ln>
               <a:extLst>
                 <a:ext uri="{91240B29-F687-4f45-9708-019B960494DF}">
-                  <a14:hiddenLine xmlns:a14="http://schemas.microsoft.com/office/drawing/2010/main" xmlns="" w="9525">
+                  <a14:hiddenLine xmlns="" xmlns:a14="http://schemas.microsoft.com/office/drawing/2010/main" w="9525">
                     <a:solidFill>
                       <a:srgbClr val="000000"/>
                     </a:solidFill>
@@ -11276,7 +11283,7 @@
               </a:ln>
               <a:extLst>
                 <a:ext uri="{91240B29-F687-4f45-9708-019B960494DF}">
-                  <a14:hiddenLine xmlns:a14="http://schemas.microsoft.com/office/drawing/2010/main" xmlns="" w="9525">
+                  <a14:hiddenLine xmlns="" xmlns:a14="http://schemas.microsoft.com/office/drawing/2010/main" w="9525">
                     <a:solidFill>
                       <a:srgbClr val="000000"/>
                     </a:solidFill>
@@ -11366,7 +11373,7 @@
               </a:ln>
               <a:extLst>
                 <a:ext uri="{91240B29-F687-4f45-9708-019B960494DF}">
-                  <a14:hiddenLine xmlns:a14="http://schemas.microsoft.com/office/drawing/2010/main" xmlns="" w="9525">
+                  <a14:hiddenLine xmlns="" xmlns:a14="http://schemas.microsoft.com/office/drawing/2010/main" w="9525">
                     <a:solidFill>
                       <a:srgbClr val="000000"/>
                     </a:solidFill>
@@ -11431,7 +11438,7 @@
               </a:ln>
               <a:extLst>
                 <a:ext uri="{91240B29-F687-4f45-9708-019B960494DF}">
-                  <a14:hiddenLine xmlns:a14="http://schemas.microsoft.com/office/drawing/2010/main" xmlns="" w="9525">
+                  <a14:hiddenLine xmlns="" xmlns:a14="http://schemas.microsoft.com/office/drawing/2010/main" w="9525">
                     <a:solidFill>
                       <a:srgbClr val="000000"/>
                     </a:solidFill>
@@ -11521,7 +11528,7 @@
               </a:ln>
               <a:extLst>
                 <a:ext uri="{91240B29-F687-4f45-9708-019B960494DF}">
-                  <a14:hiddenLine xmlns:a14="http://schemas.microsoft.com/office/drawing/2010/main" xmlns="" w="9525">
+                  <a14:hiddenLine xmlns="" xmlns:a14="http://schemas.microsoft.com/office/drawing/2010/main" w="9525">
                     <a:solidFill>
                       <a:srgbClr val="000000"/>
                     </a:solidFill>
@@ -11589,7 +11596,7 @@
               </a:ln>
               <a:extLst>
                 <a:ext uri="{91240B29-F687-4f45-9708-019B960494DF}">
-                  <a14:hiddenLine xmlns:a14="http://schemas.microsoft.com/office/drawing/2010/main" xmlns="" w="9525">
+                  <a14:hiddenLine xmlns="" xmlns:a14="http://schemas.microsoft.com/office/drawing/2010/main" w="9525">
                     <a:solidFill>
                       <a:srgbClr val="000000"/>
                     </a:solidFill>
@@ -11679,7 +11686,7 @@
               </a:ln>
               <a:extLst>
                 <a:ext uri="{91240B29-F687-4f45-9708-019B960494DF}">
-                  <a14:hiddenLine xmlns:a14="http://schemas.microsoft.com/office/drawing/2010/main" xmlns="" w="9525">
+                  <a14:hiddenLine xmlns="" xmlns:a14="http://schemas.microsoft.com/office/drawing/2010/main" w="9525">
                     <a:solidFill>
                       <a:srgbClr val="000000"/>
                     </a:solidFill>
@@ -11747,7 +11754,7 @@
               </a:ln>
               <a:extLst>
                 <a:ext uri="{91240B29-F687-4f45-9708-019B960494DF}">
-                  <a14:hiddenLine xmlns:a14="http://schemas.microsoft.com/office/drawing/2010/main" xmlns="" w="9525">
+                  <a14:hiddenLine xmlns="" xmlns:a14="http://schemas.microsoft.com/office/drawing/2010/main" w="9525">
                     <a:solidFill>
                       <a:srgbClr val="000000"/>
                     </a:solidFill>
@@ -11837,7 +11844,7 @@
               </a:ln>
               <a:extLst>
                 <a:ext uri="{91240B29-F687-4f45-9708-019B960494DF}">
-                  <a14:hiddenLine xmlns:a14="http://schemas.microsoft.com/office/drawing/2010/main" xmlns="" w="9525">
+                  <a14:hiddenLine xmlns="" xmlns:a14="http://schemas.microsoft.com/office/drawing/2010/main" w="9525">
                     <a:solidFill>
                       <a:srgbClr val="000000"/>
                     </a:solidFill>
@@ -11871,7 +11878,7 @@
               </a:ln>
               <a:extLst>
                 <a:ext uri="{91240B29-F687-4f45-9708-019B960494DF}">
-                  <a14:hiddenLine xmlns:a14="http://schemas.microsoft.com/office/drawing/2010/main" xmlns="" w="9525">
+                  <a14:hiddenLine xmlns="" xmlns:a14="http://schemas.microsoft.com/office/drawing/2010/main" w="9525">
                     <a:solidFill>
                       <a:srgbClr val="000000"/>
                     </a:solidFill>
@@ -12011,7 +12018,7 @@
           <a:p>
             <a:fld id="{D298673D-1BCA-4FA7-829E-2AFA6E04BF94}" type="datetimeFigureOut">
               <a:rPr lang="he-IL" smtClean="0"/>
-              <a:t>כ"ג/אדר/תשע"ה</a:t>
+              <a:t>א'/ניסן/תשע"ה</a:t>
             </a:fld>
             <a:endParaRPr lang="he-IL"/>
           </a:p>
@@ -12459,38 +12466,6 @@
       </p:sp>
       <p:sp>
         <p:nvSpPr>
-          <p:cNvPr id="3" name="כותרת משנה 2"/>
-          <p:cNvSpPr>
-            <a:spLocks noGrp="1"/>
-          </p:cNvSpPr>
-          <p:nvPr>
-            <p:ph type="subTitle" idx="1"/>
-          </p:nvPr>
-        </p:nvSpPr>
-        <p:spPr>
-          <a:xfrm>
-            <a:off x="2328911" y="660875"/>
-            <a:ext cx="8791575" cy="1655762"/>
-          </a:xfrm>
-        </p:spPr>
-        <p:txBody>
-          <a:bodyPr/>
-          <a:lstStyle/>
-          <a:p>
-            <a:r>
-              <a:rPr lang="he-IL" dirty="0" smtClean="0"/>
-              <a:t>כאן יופיע הבאנר המוארך של </a:t>
-            </a:r>
-            <a:r>
-              <a:rPr lang="en-US" dirty="0" err="1" smtClean="0"/>
-              <a:t>sameat</a:t>
-            </a:r>
-            <a:endParaRPr lang="he-IL" dirty="0"/>
-          </a:p>
-        </p:txBody>
-      </p:sp>
-      <p:sp>
-        <p:nvSpPr>
           <p:cNvPr id="5" name="TextBox 4"/>
           <p:cNvSpPr txBox="1"/>
           <p:nvPr/>
@@ -12751,9 +12726,361 @@
           <a:lstStyle/>
           <a:p>
             <a:pPr algn="ctr"/>
+            <a:endParaRPr lang="he-IL" dirty="0"/>
+          </a:p>
+        </p:txBody>
+      </p:sp>
+      <p:sp>
+        <p:nvSpPr>
+          <p:cNvPr id="4" name="מלבן מעוגל 3"/>
+          <p:cNvSpPr/>
+          <p:nvPr/>
+        </p:nvSpPr>
+        <p:spPr>
+          <a:xfrm>
+            <a:off x="3355942" y="311083"/>
+            <a:ext cx="6363093" cy="754145"/>
+          </a:xfrm>
+          <a:prstGeom prst="roundRect">
+            <a:avLst/>
+          </a:prstGeom>
+        </p:spPr>
+        <p:style>
+          <a:lnRef idx="2">
+            <a:schemeClr val="accent1">
+              <a:shade val="50000"/>
+            </a:schemeClr>
+          </a:lnRef>
+          <a:fillRef idx="1">
+            <a:schemeClr val="accent1"/>
+          </a:fillRef>
+          <a:effectRef idx="0">
+            <a:schemeClr val="accent1"/>
+          </a:effectRef>
+          <a:fontRef idx="minor">
+            <a:schemeClr val="lt1"/>
+          </a:fontRef>
+        </p:style>
+        <p:txBody>
+          <a:bodyPr rtlCol="1" anchor="ctr"/>
+          <a:lstStyle/>
+          <a:p>
+            <a:pPr algn="ctr"/>
             <a:r>
               <a:rPr lang="he-IL" dirty="0" smtClean="0"/>
-              <a:t>כאן יופיעו המנות לבחירה תפריט מתחלף בהמשך יוגדר על פי משתנים</a:t>
+              <a:t>באנר של האתר הכולל תיאור בקצרה (מסעדת שף אונליין)</a:t>
+            </a:r>
+            <a:endParaRPr lang="he-IL" dirty="0"/>
+          </a:p>
+        </p:txBody>
+      </p:sp>
+      <p:sp>
+        <p:nvSpPr>
+          <p:cNvPr id="11" name="מלבן 10"/>
+          <p:cNvSpPr/>
+          <p:nvPr/>
+        </p:nvSpPr>
+        <p:spPr>
+          <a:xfrm>
+            <a:off x="8022210" y="2526384"/>
+            <a:ext cx="1234912" cy="1282045"/>
+          </a:xfrm>
+          <a:prstGeom prst="rect">
+            <a:avLst/>
+          </a:prstGeom>
+          <a:solidFill>
+            <a:schemeClr val="tx2"/>
+          </a:solidFill>
+          <a:ln>
+            <a:solidFill>
+              <a:schemeClr val="tx2"/>
+            </a:solidFill>
+          </a:ln>
+        </p:spPr>
+        <p:style>
+          <a:lnRef idx="2">
+            <a:schemeClr val="accent1">
+              <a:shade val="50000"/>
+            </a:schemeClr>
+          </a:lnRef>
+          <a:fillRef idx="1">
+            <a:schemeClr val="accent1"/>
+          </a:fillRef>
+          <a:effectRef idx="0">
+            <a:schemeClr val="accent1"/>
+          </a:effectRef>
+          <a:fontRef idx="minor">
+            <a:schemeClr val="lt1"/>
+          </a:fontRef>
+        </p:style>
+        <p:txBody>
+          <a:bodyPr rtlCol="1" anchor="ctr"/>
+          <a:lstStyle/>
+          <a:p>
+            <a:pPr algn="ctr"/>
+            <a:r>
+              <a:rPr lang="he-IL" dirty="0" smtClean="0"/>
+              <a:t>מנה</a:t>
+            </a:r>
+            <a:endParaRPr lang="he-IL" dirty="0"/>
+          </a:p>
+        </p:txBody>
+      </p:sp>
+      <p:sp>
+        <p:nvSpPr>
+          <p:cNvPr id="12" name="מלבן 11"/>
+          <p:cNvSpPr/>
+          <p:nvPr/>
+        </p:nvSpPr>
+        <p:spPr>
+          <a:xfrm>
+            <a:off x="6259397" y="2526384"/>
+            <a:ext cx="1234912" cy="1282045"/>
+          </a:xfrm>
+          <a:prstGeom prst="rect">
+            <a:avLst/>
+          </a:prstGeom>
+          <a:solidFill>
+            <a:schemeClr val="tx2"/>
+          </a:solidFill>
+          <a:ln>
+            <a:solidFill>
+              <a:schemeClr val="tx2"/>
+            </a:solidFill>
+          </a:ln>
+        </p:spPr>
+        <p:style>
+          <a:lnRef idx="2">
+            <a:schemeClr val="accent1">
+              <a:shade val="50000"/>
+            </a:schemeClr>
+          </a:lnRef>
+          <a:fillRef idx="1">
+            <a:schemeClr val="accent1"/>
+          </a:fillRef>
+          <a:effectRef idx="0">
+            <a:schemeClr val="accent1"/>
+          </a:effectRef>
+          <a:fontRef idx="minor">
+            <a:schemeClr val="lt1"/>
+          </a:fontRef>
+        </p:style>
+        <p:txBody>
+          <a:bodyPr rtlCol="1" anchor="ctr"/>
+          <a:lstStyle/>
+          <a:p>
+            <a:pPr algn="ctr"/>
+            <a:r>
+              <a:rPr lang="he-IL" dirty="0" smtClean="0"/>
+              <a:t>מנה</a:t>
+            </a:r>
+            <a:endParaRPr lang="he-IL" dirty="0"/>
+          </a:p>
+        </p:txBody>
+      </p:sp>
+      <p:sp>
+        <p:nvSpPr>
+          <p:cNvPr id="13" name="מלבן 12"/>
+          <p:cNvSpPr/>
+          <p:nvPr/>
+        </p:nvSpPr>
+        <p:spPr>
+          <a:xfrm>
+            <a:off x="8022210" y="4227921"/>
+            <a:ext cx="1234912" cy="1282045"/>
+          </a:xfrm>
+          <a:prstGeom prst="rect">
+            <a:avLst/>
+          </a:prstGeom>
+          <a:solidFill>
+            <a:schemeClr val="tx2"/>
+          </a:solidFill>
+          <a:ln>
+            <a:solidFill>
+              <a:schemeClr val="tx2"/>
+            </a:solidFill>
+          </a:ln>
+        </p:spPr>
+        <p:style>
+          <a:lnRef idx="2">
+            <a:schemeClr val="accent1">
+              <a:shade val="50000"/>
+            </a:schemeClr>
+          </a:lnRef>
+          <a:fillRef idx="1">
+            <a:schemeClr val="accent1"/>
+          </a:fillRef>
+          <a:effectRef idx="0">
+            <a:schemeClr val="accent1"/>
+          </a:effectRef>
+          <a:fontRef idx="minor">
+            <a:schemeClr val="lt1"/>
+          </a:fontRef>
+        </p:style>
+        <p:txBody>
+          <a:bodyPr rtlCol="1" anchor="ctr"/>
+          <a:lstStyle/>
+          <a:p>
+            <a:pPr algn="ctr"/>
+            <a:r>
+              <a:rPr lang="he-IL" dirty="0" smtClean="0"/>
+              <a:t>מנה</a:t>
+            </a:r>
+            <a:endParaRPr lang="he-IL" dirty="0"/>
+          </a:p>
+        </p:txBody>
+      </p:sp>
+      <p:sp>
+        <p:nvSpPr>
+          <p:cNvPr id="14" name="מלבן 13"/>
+          <p:cNvSpPr/>
+          <p:nvPr/>
+        </p:nvSpPr>
+        <p:spPr>
+          <a:xfrm>
+            <a:off x="6259397" y="4227921"/>
+            <a:ext cx="1234912" cy="1282045"/>
+          </a:xfrm>
+          <a:prstGeom prst="rect">
+            <a:avLst/>
+          </a:prstGeom>
+          <a:solidFill>
+            <a:schemeClr val="tx2"/>
+          </a:solidFill>
+          <a:ln>
+            <a:solidFill>
+              <a:schemeClr val="tx2"/>
+            </a:solidFill>
+          </a:ln>
+        </p:spPr>
+        <p:style>
+          <a:lnRef idx="2">
+            <a:schemeClr val="accent1">
+              <a:shade val="50000"/>
+            </a:schemeClr>
+          </a:lnRef>
+          <a:fillRef idx="1">
+            <a:schemeClr val="accent1"/>
+          </a:fillRef>
+          <a:effectRef idx="0">
+            <a:schemeClr val="accent1"/>
+          </a:effectRef>
+          <a:fontRef idx="minor">
+            <a:schemeClr val="lt1"/>
+          </a:fontRef>
+        </p:style>
+        <p:txBody>
+          <a:bodyPr rtlCol="1" anchor="ctr"/>
+          <a:lstStyle/>
+          <a:p>
+            <a:pPr algn="ctr"/>
+            <a:r>
+              <a:rPr lang="he-IL" dirty="0" smtClean="0"/>
+              <a:t>מנה</a:t>
+            </a:r>
+            <a:endParaRPr lang="he-IL" dirty="0"/>
+          </a:p>
+        </p:txBody>
+      </p:sp>
+      <p:sp>
+        <p:nvSpPr>
+          <p:cNvPr id="15" name="מלבן 14"/>
+          <p:cNvSpPr/>
+          <p:nvPr/>
+        </p:nvSpPr>
+        <p:spPr>
+          <a:xfrm>
+            <a:off x="4496584" y="4267985"/>
+            <a:ext cx="1234912" cy="1282045"/>
+          </a:xfrm>
+          <a:prstGeom prst="rect">
+            <a:avLst/>
+          </a:prstGeom>
+          <a:solidFill>
+            <a:schemeClr val="tx2"/>
+          </a:solidFill>
+          <a:ln>
+            <a:solidFill>
+              <a:schemeClr val="tx2"/>
+            </a:solidFill>
+          </a:ln>
+        </p:spPr>
+        <p:style>
+          <a:lnRef idx="2">
+            <a:schemeClr val="accent1">
+              <a:shade val="50000"/>
+            </a:schemeClr>
+          </a:lnRef>
+          <a:fillRef idx="1">
+            <a:schemeClr val="accent1"/>
+          </a:fillRef>
+          <a:effectRef idx="0">
+            <a:schemeClr val="accent1"/>
+          </a:effectRef>
+          <a:fontRef idx="minor">
+            <a:schemeClr val="lt1"/>
+          </a:fontRef>
+        </p:style>
+        <p:txBody>
+          <a:bodyPr rtlCol="1" anchor="ctr"/>
+          <a:lstStyle/>
+          <a:p>
+            <a:pPr algn="ctr"/>
+            <a:r>
+              <a:rPr lang="he-IL" dirty="0" smtClean="0"/>
+              <a:t>מנה</a:t>
+            </a:r>
+            <a:endParaRPr lang="he-IL" dirty="0"/>
+          </a:p>
+        </p:txBody>
+      </p:sp>
+      <p:sp>
+        <p:nvSpPr>
+          <p:cNvPr id="16" name="מלבן 15"/>
+          <p:cNvSpPr/>
+          <p:nvPr/>
+        </p:nvSpPr>
+        <p:spPr>
+          <a:xfrm>
+            <a:off x="4496584" y="2526383"/>
+            <a:ext cx="1234912" cy="1282045"/>
+          </a:xfrm>
+          <a:prstGeom prst="rect">
+            <a:avLst/>
+          </a:prstGeom>
+          <a:solidFill>
+            <a:schemeClr val="tx2"/>
+          </a:solidFill>
+          <a:ln>
+            <a:solidFill>
+              <a:schemeClr val="tx2"/>
+            </a:solidFill>
+          </a:ln>
+        </p:spPr>
+        <p:style>
+          <a:lnRef idx="2">
+            <a:schemeClr val="accent1">
+              <a:shade val="50000"/>
+            </a:schemeClr>
+          </a:lnRef>
+          <a:fillRef idx="1">
+            <a:schemeClr val="accent1"/>
+          </a:fillRef>
+          <a:effectRef idx="0">
+            <a:schemeClr val="accent1"/>
+          </a:effectRef>
+          <a:fontRef idx="minor">
+            <a:schemeClr val="lt1"/>
+          </a:fontRef>
+        </p:style>
+        <p:txBody>
+          <a:bodyPr rtlCol="1" anchor="ctr"/>
+          <a:lstStyle/>
+          <a:p>
+            <a:pPr algn="ctr"/>
+            <a:r>
+              <a:rPr lang="he-IL" dirty="0" smtClean="0"/>
+              <a:t>מנה</a:t>
             </a:r>
             <a:endParaRPr lang="he-IL" dirty="0"/>
           </a:p>
@@ -12763,6 +13090,2042 @@
     <p:extLst>
       <p:ext uri="{BB962C8B-B14F-4D97-AF65-F5344CB8AC3E}">
         <p14:creationId xmlns:p14="http://schemas.microsoft.com/office/powerpoint/2010/main" val="2356649749"/>
+      </p:ext>
+    </p:extLst>
+  </p:cSld>
+  <p:clrMapOvr>
+    <a:masterClrMapping/>
+  </p:clrMapOvr>
+  <p:timing>
+    <p:tnLst>
+      <p:par>
+        <p:cTn id="1" dur="indefinite" restart="never" nodeType="tmRoot"/>
+      </p:par>
+    </p:tnLst>
+  </p:timing>
+</p:sld>
+</file>
+
+<file path=ppt/slides/slide2.xml><?xml version="1.0" encoding="utf-8"?>
+<p:sld xmlns:a="http://schemas.openxmlformats.org/drawingml/2006/main" xmlns:r="http://schemas.openxmlformats.org/officeDocument/2006/relationships" xmlns:p="http://schemas.openxmlformats.org/presentationml/2006/main">
+  <p:cSld>
+    <p:spTree>
+      <p:nvGrpSpPr>
+        <p:cNvPr id="1" name=""/>
+        <p:cNvGrpSpPr/>
+        <p:nvPr/>
+      </p:nvGrpSpPr>
+      <p:grpSpPr>
+        <a:xfrm>
+          <a:off x="0" y="0"/>
+          <a:ext cx="0" cy="0"/>
+          <a:chOff x="0" y="0"/>
+          <a:chExt cx="0" cy="0"/>
+        </a:xfrm>
+      </p:grpSpPr>
+      <p:sp>
+        <p:nvSpPr>
+          <p:cNvPr id="4" name="מלבן 3"/>
+          <p:cNvSpPr/>
+          <p:nvPr/>
+        </p:nvSpPr>
+        <p:spPr>
+          <a:xfrm>
+            <a:off x="11120486" y="123123"/>
+            <a:ext cx="914400" cy="914400"/>
+          </a:xfrm>
+          <a:prstGeom prst="rect">
+            <a:avLst/>
+          </a:prstGeom>
+        </p:spPr>
+        <p:style>
+          <a:lnRef idx="2">
+            <a:schemeClr val="accent6"/>
+          </a:lnRef>
+          <a:fillRef idx="1">
+            <a:schemeClr val="lt1"/>
+          </a:fillRef>
+          <a:effectRef idx="0">
+            <a:schemeClr val="accent6"/>
+          </a:effectRef>
+          <a:fontRef idx="minor">
+            <a:schemeClr val="dk1"/>
+          </a:fontRef>
+        </p:style>
+        <p:txBody>
+          <a:bodyPr rtlCol="1" anchor="ctr"/>
+          <a:lstStyle/>
+          <a:p>
+            <a:pPr algn="ctr"/>
+            <a:r>
+              <a:rPr lang="he-IL" dirty="0" smtClean="0"/>
+              <a:t>לוגו</a:t>
+            </a:r>
+            <a:endParaRPr lang="he-IL" dirty="0"/>
+          </a:p>
+        </p:txBody>
+      </p:sp>
+      <p:sp>
+        <p:nvSpPr>
+          <p:cNvPr id="5" name="מלבן 4"/>
+          <p:cNvSpPr/>
+          <p:nvPr/>
+        </p:nvSpPr>
+        <p:spPr>
+          <a:xfrm>
+            <a:off x="10058400" y="1753386"/>
+            <a:ext cx="2045616" cy="4892510"/>
+          </a:xfrm>
+          <a:prstGeom prst="rect">
+            <a:avLst/>
+          </a:prstGeom>
+        </p:spPr>
+        <p:style>
+          <a:lnRef idx="2">
+            <a:schemeClr val="accent1">
+              <a:shade val="50000"/>
+            </a:schemeClr>
+          </a:lnRef>
+          <a:fillRef idx="1">
+            <a:schemeClr val="accent1"/>
+          </a:fillRef>
+          <a:effectRef idx="0">
+            <a:schemeClr val="accent1"/>
+          </a:effectRef>
+          <a:fontRef idx="minor">
+            <a:schemeClr val="lt1"/>
+          </a:fontRef>
+        </p:style>
+        <p:txBody>
+          <a:bodyPr rtlCol="1" anchor="ctr"/>
+          <a:lstStyle/>
+          <a:p>
+            <a:pPr algn="ctr"/>
+            <a:r>
+              <a:rPr lang="he-IL" dirty="0" smtClean="0"/>
+              <a:t>כאן יופיעו המלצות ללקוח לאחר הזמנת מנות קודמות ושיקולי מערכת המלצת </a:t>
+            </a:r>
+            <a:r>
+              <a:rPr lang="he-IL" dirty="0" err="1" smtClean="0"/>
+              <a:t>השפ</a:t>
+            </a:r>
+            <a:r>
+              <a:rPr lang="he-IL" dirty="0" smtClean="0"/>
+              <a:t> </a:t>
+            </a:r>
+            <a:r>
+              <a:rPr lang="he-IL" dirty="0" err="1" smtClean="0"/>
+              <a:t>וכו</a:t>
+            </a:r>
+            <a:r>
+              <a:rPr lang="he-IL" dirty="0" smtClean="0"/>
+              <a:t> בשם בלבד</a:t>
+            </a:r>
+            <a:endParaRPr lang="he-IL" dirty="0"/>
+          </a:p>
+        </p:txBody>
+      </p:sp>
+      <p:sp>
+        <p:nvSpPr>
+          <p:cNvPr id="6" name="מלבן 5"/>
+          <p:cNvSpPr/>
+          <p:nvPr/>
+        </p:nvSpPr>
+        <p:spPr>
+          <a:xfrm>
+            <a:off x="113122" y="1753385"/>
+            <a:ext cx="2714919" cy="4949073"/>
+          </a:xfrm>
+          <a:prstGeom prst="rect">
+            <a:avLst/>
+          </a:prstGeom>
+        </p:spPr>
+        <p:style>
+          <a:lnRef idx="2">
+            <a:schemeClr val="accent1">
+              <a:shade val="50000"/>
+            </a:schemeClr>
+          </a:lnRef>
+          <a:fillRef idx="1">
+            <a:schemeClr val="accent1"/>
+          </a:fillRef>
+          <a:effectRef idx="0">
+            <a:schemeClr val="accent1"/>
+          </a:effectRef>
+          <a:fontRef idx="minor">
+            <a:schemeClr val="lt1"/>
+          </a:fontRef>
+        </p:style>
+        <p:txBody>
+          <a:bodyPr rtlCol="1" anchor="ctr"/>
+          <a:lstStyle/>
+          <a:p>
+            <a:pPr algn="ctr"/>
+            <a:r>
+              <a:rPr lang="he-IL" dirty="0" smtClean="0"/>
+              <a:t>כתובת משלוח עלות כוללת מס' </a:t>
+            </a:r>
+            <a:r>
+              <a:rPr lang="he-IL" smtClean="0"/>
+              <a:t>טלפון ופרטי הלק'</a:t>
+            </a:r>
+            <a:endParaRPr lang="he-IL"/>
+          </a:p>
+        </p:txBody>
+      </p:sp>
+      <p:sp>
+        <p:nvSpPr>
+          <p:cNvPr id="7" name="מלבן מעוגל 6"/>
+          <p:cNvSpPr/>
+          <p:nvPr/>
+        </p:nvSpPr>
+        <p:spPr>
+          <a:xfrm>
+            <a:off x="3355942" y="311083"/>
+            <a:ext cx="6363093" cy="754145"/>
+          </a:xfrm>
+          <a:prstGeom prst="roundRect">
+            <a:avLst/>
+          </a:prstGeom>
+        </p:spPr>
+        <p:style>
+          <a:lnRef idx="2">
+            <a:schemeClr val="accent1">
+              <a:shade val="50000"/>
+            </a:schemeClr>
+          </a:lnRef>
+          <a:fillRef idx="1">
+            <a:schemeClr val="accent1"/>
+          </a:fillRef>
+          <a:effectRef idx="0">
+            <a:schemeClr val="accent1"/>
+          </a:effectRef>
+          <a:fontRef idx="minor">
+            <a:schemeClr val="lt1"/>
+          </a:fontRef>
+        </p:style>
+        <p:txBody>
+          <a:bodyPr rtlCol="1" anchor="ctr"/>
+          <a:lstStyle/>
+          <a:p>
+            <a:pPr algn="ctr"/>
+            <a:r>
+              <a:rPr lang="he-IL" dirty="0" smtClean="0"/>
+              <a:t>באנר של האתר הכולל תיאור בקצרה (מסעדת שף אונליין)</a:t>
+            </a:r>
+            <a:endParaRPr lang="he-IL" dirty="0"/>
+          </a:p>
+        </p:txBody>
+      </p:sp>
+      <p:sp>
+        <p:nvSpPr>
+          <p:cNvPr id="8" name="מלבן 7"/>
+          <p:cNvSpPr/>
+          <p:nvPr/>
+        </p:nvSpPr>
+        <p:spPr>
+          <a:xfrm>
+            <a:off x="3355942" y="1824087"/>
+            <a:ext cx="6363093" cy="4892511"/>
+          </a:xfrm>
+          <a:prstGeom prst="rect">
+            <a:avLst/>
+          </a:prstGeom>
+        </p:spPr>
+        <p:style>
+          <a:lnRef idx="2">
+            <a:schemeClr val="accent1">
+              <a:shade val="50000"/>
+            </a:schemeClr>
+          </a:lnRef>
+          <a:fillRef idx="1">
+            <a:schemeClr val="accent1"/>
+          </a:fillRef>
+          <a:effectRef idx="0">
+            <a:schemeClr val="accent1"/>
+          </a:effectRef>
+          <a:fontRef idx="minor">
+            <a:schemeClr val="lt1"/>
+          </a:fontRef>
+        </p:style>
+        <p:txBody>
+          <a:bodyPr rtlCol="1" anchor="ctr"/>
+          <a:lstStyle/>
+          <a:p>
+            <a:pPr algn="ctr"/>
+            <a:endParaRPr lang="he-IL" dirty="0"/>
+          </a:p>
+        </p:txBody>
+      </p:sp>
+      <p:sp>
+        <p:nvSpPr>
+          <p:cNvPr id="2" name="מלבן מעוגל 1"/>
+          <p:cNvSpPr/>
+          <p:nvPr/>
+        </p:nvSpPr>
+        <p:spPr>
+          <a:xfrm>
+            <a:off x="5910605" y="1996123"/>
+            <a:ext cx="1253765" cy="1178350"/>
+          </a:xfrm>
+          <a:prstGeom prst="roundRect">
+            <a:avLst/>
+          </a:prstGeom>
+          <a:solidFill>
+            <a:schemeClr val="tx2"/>
+          </a:solidFill>
+        </p:spPr>
+        <p:style>
+          <a:lnRef idx="2">
+            <a:schemeClr val="accent1">
+              <a:shade val="50000"/>
+            </a:schemeClr>
+          </a:lnRef>
+          <a:fillRef idx="1">
+            <a:schemeClr val="accent1"/>
+          </a:fillRef>
+          <a:effectRef idx="0">
+            <a:schemeClr val="accent1"/>
+          </a:effectRef>
+          <a:fontRef idx="minor">
+            <a:schemeClr val="lt1"/>
+          </a:fontRef>
+        </p:style>
+        <p:txBody>
+          <a:bodyPr rtlCol="1" anchor="ctr"/>
+          <a:lstStyle/>
+          <a:p>
+            <a:pPr algn="ctr"/>
+            <a:endParaRPr lang="he-IL"/>
+          </a:p>
+        </p:txBody>
+      </p:sp>
+      <p:sp>
+        <p:nvSpPr>
+          <p:cNvPr id="3" name="מלבן 2"/>
+          <p:cNvSpPr/>
+          <p:nvPr/>
+        </p:nvSpPr>
+        <p:spPr>
+          <a:xfrm>
+            <a:off x="4161933" y="3737726"/>
+            <a:ext cx="4930219" cy="367645"/>
+          </a:xfrm>
+          <a:prstGeom prst="rect">
+            <a:avLst/>
+          </a:prstGeom>
+        </p:spPr>
+        <p:style>
+          <a:lnRef idx="2">
+            <a:schemeClr val="accent1">
+              <a:shade val="50000"/>
+            </a:schemeClr>
+          </a:lnRef>
+          <a:fillRef idx="1">
+            <a:schemeClr val="accent1"/>
+          </a:fillRef>
+          <a:effectRef idx="0">
+            <a:schemeClr val="accent1"/>
+          </a:effectRef>
+          <a:fontRef idx="minor">
+            <a:schemeClr val="lt1"/>
+          </a:fontRef>
+        </p:style>
+        <p:txBody>
+          <a:bodyPr rtlCol="1" anchor="ctr"/>
+          <a:lstStyle/>
+          <a:p>
+            <a:pPr algn="ctr"/>
+            <a:r>
+              <a:rPr lang="he-IL" dirty="0" smtClean="0"/>
+              <a:t>תיאור מנה --------עלות</a:t>
+            </a:r>
+            <a:endParaRPr lang="he-IL" dirty="0"/>
+          </a:p>
+        </p:txBody>
+      </p:sp>
+      <p:sp>
+        <p:nvSpPr>
+          <p:cNvPr id="9" name="כוכב עם 5 פינות 8"/>
+          <p:cNvSpPr/>
+          <p:nvPr/>
+        </p:nvSpPr>
+        <p:spPr>
+          <a:xfrm>
+            <a:off x="5344998" y="3322948"/>
+            <a:ext cx="405352" cy="320511"/>
+          </a:xfrm>
+          <a:prstGeom prst="star5">
+            <a:avLst/>
+          </a:prstGeom>
+        </p:spPr>
+        <p:style>
+          <a:lnRef idx="2">
+            <a:schemeClr val="accent1">
+              <a:shade val="50000"/>
+            </a:schemeClr>
+          </a:lnRef>
+          <a:fillRef idx="1">
+            <a:schemeClr val="accent1"/>
+          </a:fillRef>
+          <a:effectRef idx="0">
+            <a:schemeClr val="accent1"/>
+          </a:effectRef>
+          <a:fontRef idx="minor">
+            <a:schemeClr val="lt1"/>
+          </a:fontRef>
+        </p:style>
+        <p:txBody>
+          <a:bodyPr rtlCol="1" anchor="ctr"/>
+          <a:lstStyle/>
+          <a:p>
+            <a:pPr algn="ctr"/>
+            <a:endParaRPr lang="he-IL"/>
+          </a:p>
+        </p:txBody>
+      </p:sp>
+      <p:sp>
+        <p:nvSpPr>
+          <p:cNvPr id="10" name="כוכב עם 5 פינות 9"/>
+          <p:cNvSpPr/>
+          <p:nvPr/>
+        </p:nvSpPr>
+        <p:spPr>
+          <a:xfrm>
+            <a:off x="5905893" y="3322948"/>
+            <a:ext cx="405352" cy="320511"/>
+          </a:xfrm>
+          <a:prstGeom prst="star5">
+            <a:avLst/>
+          </a:prstGeom>
+        </p:spPr>
+        <p:style>
+          <a:lnRef idx="2">
+            <a:schemeClr val="accent1">
+              <a:shade val="50000"/>
+            </a:schemeClr>
+          </a:lnRef>
+          <a:fillRef idx="1">
+            <a:schemeClr val="accent1"/>
+          </a:fillRef>
+          <a:effectRef idx="0">
+            <a:schemeClr val="accent1"/>
+          </a:effectRef>
+          <a:fontRef idx="minor">
+            <a:schemeClr val="lt1"/>
+          </a:fontRef>
+        </p:style>
+        <p:txBody>
+          <a:bodyPr rtlCol="1" anchor="ctr"/>
+          <a:lstStyle/>
+          <a:p>
+            <a:pPr algn="ctr"/>
+            <a:endParaRPr lang="he-IL"/>
+          </a:p>
+        </p:txBody>
+      </p:sp>
+      <p:sp>
+        <p:nvSpPr>
+          <p:cNvPr id="11" name="כוכב עם 5 פינות 10"/>
+          <p:cNvSpPr/>
+          <p:nvPr/>
+        </p:nvSpPr>
+        <p:spPr>
+          <a:xfrm>
+            <a:off x="6424367" y="3322947"/>
+            <a:ext cx="405352" cy="320511"/>
+          </a:xfrm>
+          <a:prstGeom prst="star5">
+            <a:avLst/>
+          </a:prstGeom>
+        </p:spPr>
+        <p:style>
+          <a:lnRef idx="2">
+            <a:schemeClr val="accent1">
+              <a:shade val="50000"/>
+            </a:schemeClr>
+          </a:lnRef>
+          <a:fillRef idx="1">
+            <a:schemeClr val="accent1"/>
+          </a:fillRef>
+          <a:effectRef idx="0">
+            <a:schemeClr val="accent1"/>
+          </a:effectRef>
+          <a:fontRef idx="minor">
+            <a:schemeClr val="lt1"/>
+          </a:fontRef>
+        </p:style>
+        <p:txBody>
+          <a:bodyPr rtlCol="1" anchor="ctr"/>
+          <a:lstStyle/>
+          <a:p>
+            <a:pPr algn="ctr"/>
+            <a:endParaRPr lang="he-IL"/>
+          </a:p>
+        </p:txBody>
+      </p:sp>
+      <p:sp>
+        <p:nvSpPr>
+          <p:cNvPr id="12" name="כוכב עם 5 פינות 11"/>
+          <p:cNvSpPr/>
+          <p:nvPr/>
+        </p:nvSpPr>
+        <p:spPr>
+          <a:xfrm>
+            <a:off x="6952268" y="3322946"/>
+            <a:ext cx="405352" cy="320511"/>
+          </a:xfrm>
+          <a:prstGeom prst="star5">
+            <a:avLst/>
+          </a:prstGeom>
+        </p:spPr>
+        <p:style>
+          <a:lnRef idx="2">
+            <a:schemeClr val="accent1">
+              <a:shade val="50000"/>
+            </a:schemeClr>
+          </a:lnRef>
+          <a:fillRef idx="1">
+            <a:schemeClr val="accent1"/>
+          </a:fillRef>
+          <a:effectRef idx="0">
+            <a:schemeClr val="accent1"/>
+          </a:effectRef>
+          <a:fontRef idx="minor">
+            <a:schemeClr val="lt1"/>
+          </a:fontRef>
+        </p:style>
+        <p:txBody>
+          <a:bodyPr rtlCol="1" anchor="ctr"/>
+          <a:lstStyle/>
+          <a:p>
+            <a:pPr algn="ctr"/>
+            <a:endParaRPr lang="he-IL"/>
+          </a:p>
+        </p:txBody>
+      </p:sp>
+      <p:sp>
+        <p:nvSpPr>
+          <p:cNvPr id="13" name="כוכב עם 5 פינות 12"/>
+          <p:cNvSpPr/>
+          <p:nvPr/>
+        </p:nvSpPr>
+        <p:spPr>
+          <a:xfrm>
+            <a:off x="7513163" y="3322945"/>
+            <a:ext cx="405352" cy="320511"/>
+          </a:xfrm>
+          <a:prstGeom prst="star5">
+            <a:avLst/>
+          </a:prstGeom>
+        </p:spPr>
+        <p:style>
+          <a:lnRef idx="2">
+            <a:schemeClr val="accent1">
+              <a:shade val="50000"/>
+            </a:schemeClr>
+          </a:lnRef>
+          <a:fillRef idx="1">
+            <a:schemeClr val="accent1"/>
+          </a:fillRef>
+          <a:effectRef idx="0">
+            <a:schemeClr val="accent1"/>
+          </a:effectRef>
+          <a:fontRef idx="minor">
+            <a:schemeClr val="lt1"/>
+          </a:fontRef>
+        </p:style>
+        <p:txBody>
+          <a:bodyPr rtlCol="1" anchor="ctr"/>
+          <a:lstStyle/>
+          <a:p>
+            <a:pPr algn="ctr"/>
+            <a:endParaRPr lang="he-IL"/>
+          </a:p>
+        </p:txBody>
+      </p:sp>
+      <p:sp>
+        <p:nvSpPr>
+          <p:cNvPr id="14" name="מלבן 13"/>
+          <p:cNvSpPr/>
+          <p:nvPr/>
+        </p:nvSpPr>
+        <p:spPr>
+          <a:xfrm>
+            <a:off x="7682843" y="4724007"/>
+            <a:ext cx="678730" cy="292231"/>
+          </a:xfrm>
+          <a:prstGeom prst="rect">
+            <a:avLst/>
+          </a:prstGeom>
+        </p:spPr>
+        <p:style>
+          <a:lnRef idx="2">
+            <a:schemeClr val="accent1">
+              <a:shade val="50000"/>
+            </a:schemeClr>
+          </a:lnRef>
+          <a:fillRef idx="1">
+            <a:schemeClr val="accent1"/>
+          </a:fillRef>
+          <a:effectRef idx="0">
+            <a:schemeClr val="accent1"/>
+          </a:effectRef>
+          <a:fontRef idx="minor">
+            <a:schemeClr val="lt1"/>
+          </a:fontRef>
+        </p:style>
+        <p:txBody>
+          <a:bodyPr rtlCol="1" anchor="ctr"/>
+          <a:lstStyle/>
+          <a:p>
+            <a:pPr algn="ctr"/>
+            <a:r>
+              <a:rPr lang="he-IL" dirty="0" smtClean="0"/>
+              <a:t>פריט </a:t>
+            </a:r>
+            <a:endParaRPr lang="he-IL" dirty="0"/>
+          </a:p>
+        </p:txBody>
+      </p:sp>
+      <p:sp>
+        <p:nvSpPr>
+          <p:cNvPr id="15" name="מלבן 14"/>
+          <p:cNvSpPr/>
+          <p:nvPr/>
+        </p:nvSpPr>
+        <p:spPr>
+          <a:xfrm>
+            <a:off x="7220930" y="4724007"/>
+            <a:ext cx="311084" cy="292231"/>
+          </a:xfrm>
+          <a:prstGeom prst="rect">
+            <a:avLst/>
+          </a:prstGeom>
+          <a:solidFill>
+            <a:schemeClr val="tx1"/>
+          </a:solidFill>
+        </p:spPr>
+        <p:style>
+          <a:lnRef idx="2">
+            <a:schemeClr val="accent1">
+              <a:shade val="50000"/>
+            </a:schemeClr>
+          </a:lnRef>
+          <a:fillRef idx="1">
+            <a:schemeClr val="accent1"/>
+          </a:fillRef>
+          <a:effectRef idx="0">
+            <a:schemeClr val="accent1"/>
+          </a:effectRef>
+          <a:fontRef idx="minor">
+            <a:schemeClr val="lt1"/>
+          </a:fontRef>
+        </p:style>
+        <p:txBody>
+          <a:bodyPr rtlCol="1" anchor="ctr"/>
+          <a:lstStyle/>
+          <a:p>
+            <a:pPr algn="ctr"/>
+            <a:endParaRPr lang="he-IL">
+              <a:solidFill>
+                <a:schemeClr val="tx1"/>
+              </a:solidFill>
+            </a:endParaRPr>
+          </a:p>
+        </p:txBody>
+      </p:sp>
+      <p:sp>
+        <p:nvSpPr>
+          <p:cNvPr id="16" name="מלבן 15"/>
+          <p:cNvSpPr/>
+          <p:nvPr/>
+        </p:nvSpPr>
+        <p:spPr>
+          <a:xfrm>
+            <a:off x="6306530" y="4733433"/>
+            <a:ext cx="678730" cy="292231"/>
+          </a:xfrm>
+          <a:prstGeom prst="rect">
+            <a:avLst/>
+          </a:prstGeom>
+        </p:spPr>
+        <p:style>
+          <a:lnRef idx="2">
+            <a:schemeClr val="accent1">
+              <a:shade val="50000"/>
+            </a:schemeClr>
+          </a:lnRef>
+          <a:fillRef idx="1">
+            <a:schemeClr val="accent1"/>
+          </a:fillRef>
+          <a:effectRef idx="0">
+            <a:schemeClr val="accent1"/>
+          </a:effectRef>
+          <a:fontRef idx="minor">
+            <a:schemeClr val="lt1"/>
+          </a:fontRef>
+        </p:style>
+        <p:txBody>
+          <a:bodyPr rtlCol="1" anchor="ctr"/>
+          <a:lstStyle/>
+          <a:p>
+            <a:pPr algn="ctr"/>
+            <a:r>
+              <a:rPr lang="he-IL" dirty="0" smtClean="0"/>
+              <a:t>פריט </a:t>
+            </a:r>
+            <a:endParaRPr lang="he-IL" dirty="0"/>
+          </a:p>
+        </p:txBody>
+      </p:sp>
+      <p:sp>
+        <p:nvSpPr>
+          <p:cNvPr id="17" name="מלבן 16"/>
+          <p:cNvSpPr/>
+          <p:nvPr/>
+        </p:nvSpPr>
+        <p:spPr>
+          <a:xfrm>
+            <a:off x="5844617" y="4733433"/>
+            <a:ext cx="311084" cy="292231"/>
+          </a:xfrm>
+          <a:prstGeom prst="rect">
+            <a:avLst/>
+          </a:prstGeom>
+          <a:solidFill>
+            <a:schemeClr val="tx1"/>
+          </a:solidFill>
+        </p:spPr>
+        <p:style>
+          <a:lnRef idx="2">
+            <a:schemeClr val="accent1">
+              <a:shade val="50000"/>
+            </a:schemeClr>
+          </a:lnRef>
+          <a:fillRef idx="1">
+            <a:schemeClr val="accent1"/>
+          </a:fillRef>
+          <a:effectRef idx="0">
+            <a:schemeClr val="accent1"/>
+          </a:effectRef>
+          <a:fontRef idx="minor">
+            <a:schemeClr val="lt1"/>
+          </a:fontRef>
+        </p:style>
+        <p:txBody>
+          <a:bodyPr rtlCol="1" anchor="ctr"/>
+          <a:lstStyle/>
+          <a:p>
+            <a:pPr algn="ctr"/>
+            <a:endParaRPr lang="he-IL">
+              <a:solidFill>
+                <a:schemeClr val="tx1"/>
+              </a:solidFill>
+            </a:endParaRPr>
+          </a:p>
+        </p:txBody>
+      </p:sp>
+      <p:sp>
+        <p:nvSpPr>
+          <p:cNvPr id="18" name="מלבן 17"/>
+          <p:cNvSpPr/>
+          <p:nvPr/>
+        </p:nvSpPr>
+        <p:spPr>
+          <a:xfrm>
+            <a:off x="4826523" y="4733433"/>
+            <a:ext cx="678730" cy="292231"/>
+          </a:xfrm>
+          <a:prstGeom prst="rect">
+            <a:avLst/>
+          </a:prstGeom>
+        </p:spPr>
+        <p:style>
+          <a:lnRef idx="2">
+            <a:schemeClr val="accent1">
+              <a:shade val="50000"/>
+            </a:schemeClr>
+          </a:lnRef>
+          <a:fillRef idx="1">
+            <a:schemeClr val="accent1"/>
+          </a:fillRef>
+          <a:effectRef idx="0">
+            <a:schemeClr val="accent1"/>
+          </a:effectRef>
+          <a:fontRef idx="minor">
+            <a:schemeClr val="lt1"/>
+          </a:fontRef>
+        </p:style>
+        <p:txBody>
+          <a:bodyPr rtlCol="1" anchor="ctr"/>
+          <a:lstStyle/>
+          <a:p>
+            <a:pPr algn="ctr"/>
+            <a:r>
+              <a:rPr lang="he-IL" dirty="0" smtClean="0"/>
+              <a:t>פריט </a:t>
+            </a:r>
+            <a:endParaRPr lang="he-IL" dirty="0"/>
+          </a:p>
+        </p:txBody>
+      </p:sp>
+      <p:sp>
+        <p:nvSpPr>
+          <p:cNvPr id="19" name="מלבן 18"/>
+          <p:cNvSpPr/>
+          <p:nvPr/>
+        </p:nvSpPr>
+        <p:spPr>
+          <a:xfrm>
+            <a:off x="4364610" y="4733433"/>
+            <a:ext cx="311084" cy="292231"/>
+          </a:xfrm>
+          <a:prstGeom prst="rect">
+            <a:avLst/>
+          </a:prstGeom>
+          <a:solidFill>
+            <a:schemeClr val="tx1"/>
+          </a:solidFill>
+        </p:spPr>
+        <p:style>
+          <a:lnRef idx="2">
+            <a:schemeClr val="accent1">
+              <a:shade val="50000"/>
+            </a:schemeClr>
+          </a:lnRef>
+          <a:fillRef idx="1">
+            <a:schemeClr val="accent1"/>
+          </a:fillRef>
+          <a:effectRef idx="0">
+            <a:schemeClr val="accent1"/>
+          </a:effectRef>
+          <a:fontRef idx="minor">
+            <a:schemeClr val="lt1"/>
+          </a:fontRef>
+        </p:style>
+        <p:txBody>
+          <a:bodyPr rtlCol="1" anchor="ctr"/>
+          <a:lstStyle/>
+          <a:p>
+            <a:pPr algn="ctr"/>
+            <a:endParaRPr lang="he-IL">
+              <a:solidFill>
+                <a:schemeClr val="tx1"/>
+              </a:solidFill>
+            </a:endParaRPr>
+          </a:p>
+        </p:txBody>
+      </p:sp>
+      <p:sp>
+        <p:nvSpPr>
+          <p:cNvPr id="20" name="מלבן 19"/>
+          <p:cNvSpPr/>
+          <p:nvPr/>
+        </p:nvSpPr>
+        <p:spPr>
+          <a:xfrm>
+            <a:off x="7682843" y="5238946"/>
+            <a:ext cx="678730" cy="292231"/>
+          </a:xfrm>
+          <a:prstGeom prst="rect">
+            <a:avLst/>
+          </a:prstGeom>
+        </p:spPr>
+        <p:style>
+          <a:lnRef idx="2">
+            <a:schemeClr val="accent1">
+              <a:shade val="50000"/>
+            </a:schemeClr>
+          </a:lnRef>
+          <a:fillRef idx="1">
+            <a:schemeClr val="accent1"/>
+          </a:fillRef>
+          <a:effectRef idx="0">
+            <a:schemeClr val="accent1"/>
+          </a:effectRef>
+          <a:fontRef idx="minor">
+            <a:schemeClr val="lt1"/>
+          </a:fontRef>
+        </p:style>
+        <p:txBody>
+          <a:bodyPr rtlCol="1" anchor="ctr"/>
+          <a:lstStyle/>
+          <a:p>
+            <a:pPr algn="ctr"/>
+            <a:r>
+              <a:rPr lang="he-IL" dirty="0" smtClean="0"/>
+              <a:t>פריט </a:t>
+            </a:r>
+            <a:endParaRPr lang="he-IL" dirty="0"/>
+          </a:p>
+        </p:txBody>
+      </p:sp>
+      <p:sp>
+        <p:nvSpPr>
+          <p:cNvPr id="21" name="מלבן 20"/>
+          <p:cNvSpPr/>
+          <p:nvPr/>
+        </p:nvSpPr>
+        <p:spPr>
+          <a:xfrm>
+            <a:off x="7220930" y="5238946"/>
+            <a:ext cx="311084" cy="292231"/>
+          </a:xfrm>
+          <a:prstGeom prst="rect">
+            <a:avLst/>
+          </a:prstGeom>
+          <a:solidFill>
+            <a:schemeClr val="tx1"/>
+          </a:solidFill>
+        </p:spPr>
+        <p:style>
+          <a:lnRef idx="2">
+            <a:schemeClr val="accent1">
+              <a:shade val="50000"/>
+            </a:schemeClr>
+          </a:lnRef>
+          <a:fillRef idx="1">
+            <a:schemeClr val="accent1"/>
+          </a:fillRef>
+          <a:effectRef idx="0">
+            <a:schemeClr val="accent1"/>
+          </a:effectRef>
+          <a:fontRef idx="minor">
+            <a:schemeClr val="lt1"/>
+          </a:fontRef>
+        </p:style>
+        <p:txBody>
+          <a:bodyPr rtlCol="1" anchor="ctr"/>
+          <a:lstStyle/>
+          <a:p>
+            <a:pPr algn="ctr"/>
+            <a:endParaRPr lang="he-IL">
+              <a:solidFill>
+                <a:schemeClr val="tx1"/>
+              </a:solidFill>
+            </a:endParaRPr>
+          </a:p>
+        </p:txBody>
+      </p:sp>
+      <p:sp>
+        <p:nvSpPr>
+          <p:cNvPr id="22" name="מלבן 21"/>
+          <p:cNvSpPr/>
+          <p:nvPr/>
+        </p:nvSpPr>
+        <p:spPr>
+          <a:xfrm>
+            <a:off x="6306530" y="5257798"/>
+            <a:ext cx="678730" cy="292231"/>
+          </a:xfrm>
+          <a:prstGeom prst="rect">
+            <a:avLst/>
+          </a:prstGeom>
+        </p:spPr>
+        <p:style>
+          <a:lnRef idx="2">
+            <a:schemeClr val="accent1">
+              <a:shade val="50000"/>
+            </a:schemeClr>
+          </a:lnRef>
+          <a:fillRef idx="1">
+            <a:schemeClr val="accent1"/>
+          </a:fillRef>
+          <a:effectRef idx="0">
+            <a:schemeClr val="accent1"/>
+          </a:effectRef>
+          <a:fontRef idx="minor">
+            <a:schemeClr val="lt1"/>
+          </a:fontRef>
+        </p:style>
+        <p:txBody>
+          <a:bodyPr rtlCol="1" anchor="ctr"/>
+          <a:lstStyle/>
+          <a:p>
+            <a:pPr algn="ctr"/>
+            <a:r>
+              <a:rPr lang="he-IL" dirty="0" smtClean="0"/>
+              <a:t>פריט </a:t>
+            </a:r>
+            <a:endParaRPr lang="he-IL" dirty="0"/>
+          </a:p>
+        </p:txBody>
+      </p:sp>
+      <p:sp>
+        <p:nvSpPr>
+          <p:cNvPr id="23" name="מלבן 22"/>
+          <p:cNvSpPr/>
+          <p:nvPr/>
+        </p:nvSpPr>
+        <p:spPr>
+          <a:xfrm>
+            <a:off x="5844617" y="5264869"/>
+            <a:ext cx="311084" cy="292231"/>
+          </a:xfrm>
+          <a:prstGeom prst="rect">
+            <a:avLst/>
+          </a:prstGeom>
+          <a:solidFill>
+            <a:schemeClr val="tx1"/>
+          </a:solidFill>
+        </p:spPr>
+        <p:style>
+          <a:lnRef idx="2">
+            <a:schemeClr val="accent1">
+              <a:shade val="50000"/>
+            </a:schemeClr>
+          </a:lnRef>
+          <a:fillRef idx="1">
+            <a:schemeClr val="accent1"/>
+          </a:fillRef>
+          <a:effectRef idx="0">
+            <a:schemeClr val="accent1"/>
+          </a:effectRef>
+          <a:fontRef idx="minor">
+            <a:schemeClr val="lt1"/>
+          </a:fontRef>
+        </p:style>
+        <p:txBody>
+          <a:bodyPr rtlCol="1" anchor="ctr"/>
+          <a:lstStyle/>
+          <a:p>
+            <a:pPr algn="ctr"/>
+            <a:endParaRPr lang="he-IL">
+              <a:solidFill>
+                <a:schemeClr val="tx1"/>
+              </a:solidFill>
+            </a:endParaRPr>
+          </a:p>
+        </p:txBody>
+      </p:sp>
+      <p:sp>
+        <p:nvSpPr>
+          <p:cNvPr id="24" name="מלבן 23"/>
+          <p:cNvSpPr/>
+          <p:nvPr/>
+        </p:nvSpPr>
+        <p:spPr>
+          <a:xfrm>
+            <a:off x="4826523" y="5238946"/>
+            <a:ext cx="678730" cy="292231"/>
+          </a:xfrm>
+          <a:prstGeom prst="rect">
+            <a:avLst/>
+          </a:prstGeom>
+        </p:spPr>
+        <p:style>
+          <a:lnRef idx="2">
+            <a:schemeClr val="accent1">
+              <a:shade val="50000"/>
+            </a:schemeClr>
+          </a:lnRef>
+          <a:fillRef idx="1">
+            <a:schemeClr val="accent1"/>
+          </a:fillRef>
+          <a:effectRef idx="0">
+            <a:schemeClr val="accent1"/>
+          </a:effectRef>
+          <a:fontRef idx="minor">
+            <a:schemeClr val="lt1"/>
+          </a:fontRef>
+        </p:style>
+        <p:txBody>
+          <a:bodyPr rtlCol="1" anchor="ctr"/>
+          <a:lstStyle/>
+          <a:p>
+            <a:pPr algn="ctr"/>
+            <a:r>
+              <a:rPr lang="he-IL" dirty="0" smtClean="0"/>
+              <a:t>פריט </a:t>
+            </a:r>
+            <a:endParaRPr lang="he-IL" dirty="0"/>
+          </a:p>
+        </p:txBody>
+      </p:sp>
+      <p:sp>
+        <p:nvSpPr>
+          <p:cNvPr id="25" name="מלבן 24"/>
+          <p:cNvSpPr/>
+          <p:nvPr/>
+        </p:nvSpPr>
+        <p:spPr>
+          <a:xfrm>
+            <a:off x="4364610" y="5238946"/>
+            <a:ext cx="311084" cy="292231"/>
+          </a:xfrm>
+          <a:prstGeom prst="rect">
+            <a:avLst/>
+          </a:prstGeom>
+          <a:solidFill>
+            <a:schemeClr val="tx1"/>
+          </a:solidFill>
+        </p:spPr>
+        <p:style>
+          <a:lnRef idx="2">
+            <a:schemeClr val="accent1">
+              <a:shade val="50000"/>
+            </a:schemeClr>
+          </a:lnRef>
+          <a:fillRef idx="1">
+            <a:schemeClr val="accent1"/>
+          </a:fillRef>
+          <a:effectRef idx="0">
+            <a:schemeClr val="accent1"/>
+          </a:effectRef>
+          <a:fontRef idx="minor">
+            <a:schemeClr val="lt1"/>
+          </a:fontRef>
+        </p:style>
+        <p:txBody>
+          <a:bodyPr rtlCol="1" anchor="ctr"/>
+          <a:lstStyle/>
+          <a:p>
+            <a:pPr algn="ctr"/>
+            <a:endParaRPr lang="he-IL">
+              <a:solidFill>
+                <a:schemeClr val="tx1"/>
+              </a:solidFill>
+            </a:endParaRPr>
+          </a:p>
+        </p:txBody>
+      </p:sp>
+      <p:sp>
+        <p:nvSpPr>
+          <p:cNvPr id="26" name="מלבן 25"/>
+          <p:cNvSpPr/>
+          <p:nvPr/>
+        </p:nvSpPr>
+        <p:spPr>
+          <a:xfrm>
+            <a:off x="8597244" y="4733433"/>
+            <a:ext cx="886122" cy="292231"/>
+          </a:xfrm>
+          <a:prstGeom prst="rect">
+            <a:avLst/>
+          </a:prstGeom>
+        </p:spPr>
+        <p:style>
+          <a:lnRef idx="2">
+            <a:schemeClr val="accent1">
+              <a:shade val="50000"/>
+            </a:schemeClr>
+          </a:lnRef>
+          <a:fillRef idx="1">
+            <a:schemeClr val="accent1"/>
+          </a:fillRef>
+          <a:effectRef idx="0">
+            <a:schemeClr val="accent1"/>
+          </a:effectRef>
+          <a:fontRef idx="minor">
+            <a:schemeClr val="lt1"/>
+          </a:fontRef>
+        </p:style>
+        <p:txBody>
+          <a:bodyPr rtlCol="1" anchor="ctr"/>
+          <a:lstStyle/>
+          <a:p>
+            <a:pPr algn="ctr"/>
+            <a:r>
+              <a:rPr lang="he-IL" dirty="0" smtClean="0"/>
+              <a:t>מנה 1</a:t>
+            </a:r>
+            <a:endParaRPr lang="he-IL" dirty="0"/>
+          </a:p>
+        </p:txBody>
+      </p:sp>
+      <p:sp>
+        <p:nvSpPr>
+          <p:cNvPr id="27" name="מלבן 26"/>
+          <p:cNvSpPr/>
+          <p:nvPr/>
+        </p:nvSpPr>
+        <p:spPr>
+          <a:xfrm>
+            <a:off x="8597244" y="5238946"/>
+            <a:ext cx="886122" cy="292231"/>
+          </a:xfrm>
+          <a:prstGeom prst="rect">
+            <a:avLst/>
+          </a:prstGeom>
+        </p:spPr>
+        <p:style>
+          <a:lnRef idx="2">
+            <a:schemeClr val="accent1">
+              <a:shade val="50000"/>
+            </a:schemeClr>
+          </a:lnRef>
+          <a:fillRef idx="1">
+            <a:schemeClr val="accent1"/>
+          </a:fillRef>
+          <a:effectRef idx="0">
+            <a:schemeClr val="accent1"/>
+          </a:effectRef>
+          <a:fontRef idx="minor">
+            <a:schemeClr val="lt1"/>
+          </a:fontRef>
+        </p:style>
+        <p:txBody>
+          <a:bodyPr rtlCol="1" anchor="ctr"/>
+          <a:lstStyle/>
+          <a:p>
+            <a:pPr algn="ctr"/>
+            <a:r>
+              <a:rPr lang="he-IL" dirty="0" smtClean="0"/>
+              <a:t>מנה 2</a:t>
+            </a:r>
+            <a:endParaRPr lang="he-IL" dirty="0"/>
+          </a:p>
+        </p:txBody>
+      </p:sp>
+      <p:sp>
+        <p:nvSpPr>
+          <p:cNvPr id="28" name="מלבן 27"/>
+          <p:cNvSpPr/>
+          <p:nvPr/>
+        </p:nvSpPr>
+        <p:spPr>
+          <a:xfrm>
+            <a:off x="5905893" y="4264447"/>
+            <a:ext cx="249808" cy="255704"/>
+          </a:xfrm>
+          <a:prstGeom prst="rect">
+            <a:avLst/>
+          </a:prstGeom>
+        </p:spPr>
+        <p:style>
+          <a:lnRef idx="2">
+            <a:schemeClr val="accent1">
+              <a:shade val="50000"/>
+            </a:schemeClr>
+          </a:lnRef>
+          <a:fillRef idx="1">
+            <a:schemeClr val="accent1"/>
+          </a:fillRef>
+          <a:effectRef idx="0">
+            <a:schemeClr val="accent1"/>
+          </a:effectRef>
+          <a:fontRef idx="minor">
+            <a:schemeClr val="lt1"/>
+          </a:fontRef>
+        </p:style>
+        <p:txBody>
+          <a:bodyPr rtlCol="1" anchor="ctr"/>
+          <a:lstStyle/>
+          <a:p>
+            <a:pPr algn="ctr"/>
+            <a:r>
+              <a:rPr lang="he-IL" dirty="0" smtClean="0"/>
+              <a:t>-</a:t>
+            </a:r>
+            <a:endParaRPr lang="he-IL" dirty="0"/>
+          </a:p>
+        </p:txBody>
+      </p:sp>
+      <p:sp>
+        <p:nvSpPr>
+          <p:cNvPr id="29" name="מלבן 28"/>
+          <p:cNvSpPr/>
+          <p:nvPr/>
+        </p:nvSpPr>
+        <p:spPr>
+          <a:xfrm>
+            <a:off x="6325384" y="4256786"/>
+            <a:ext cx="249808" cy="255704"/>
+          </a:xfrm>
+          <a:prstGeom prst="rect">
+            <a:avLst/>
+          </a:prstGeom>
+        </p:spPr>
+        <p:style>
+          <a:lnRef idx="2">
+            <a:schemeClr val="accent1">
+              <a:shade val="50000"/>
+            </a:schemeClr>
+          </a:lnRef>
+          <a:fillRef idx="1">
+            <a:schemeClr val="accent1"/>
+          </a:fillRef>
+          <a:effectRef idx="0">
+            <a:schemeClr val="accent1"/>
+          </a:effectRef>
+          <a:fontRef idx="minor">
+            <a:schemeClr val="lt1"/>
+          </a:fontRef>
+        </p:style>
+        <p:txBody>
+          <a:bodyPr rtlCol="1" anchor="ctr"/>
+          <a:lstStyle/>
+          <a:p>
+            <a:pPr algn="ctr"/>
+            <a:r>
+              <a:rPr lang="he-IL" dirty="0" smtClean="0"/>
+              <a:t>2</a:t>
+            </a:r>
+            <a:endParaRPr lang="he-IL" dirty="0"/>
+          </a:p>
+        </p:txBody>
+      </p:sp>
+      <p:sp>
+        <p:nvSpPr>
+          <p:cNvPr id="30" name="מלבן 29"/>
+          <p:cNvSpPr/>
+          <p:nvPr/>
+        </p:nvSpPr>
+        <p:spPr>
+          <a:xfrm>
+            <a:off x="6744875" y="4264447"/>
+            <a:ext cx="249808" cy="255704"/>
+          </a:xfrm>
+          <a:prstGeom prst="rect">
+            <a:avLst/>
+          </a:prstGeom>
+        </p:spPr>
+        <p:style>
+          <a:lnRef idx="2">
+            <a:schemeClr val="accent1">
+              <a:shade val="50000"/>
+            </a:schemeClr>
+          </a:lnRef>
+          <a:fillRef idx="1">
+            <a:schemeClr val="accent1"/>
+          </a:fillRef>
+          <a:effectRef idx="0">
+            <a:schemeClr val="accent1"/>
+          </a:effectRef>
+          <a:fontRef idx="minor">
+            <a:schemeClr val="lt1"/>
+          </a:fontRef>
+        </p:style>
+        <p:txBody>
+          <a:bodyPr rtlCol="1" anchor="ctr"/>
+          <a:lstStyle/>
+          <a:p>
+            <a:pPr algn="ctr"/>
+            <a:r>
+              <a:rPr lang="he-IL" dirty="0" smtClean="0"/>
+              <a:t>+</a:t>
+            </a:r>
+            <a:endParaRPr lang="he-IL" dirty="0"/>
+          </a:p>
+        </p:txBody>
+      </p:sp>
+      <p:sp>
+        <p:nvSpPr>
+          <p:cNvPr id="31" name="מלבן 30"/>
+          <p:cNvSpPr/>
+          <p:nvPr/>
+        </p:nvSpPr>
+        <p:spPr>
+          <a:xfrm>
+            <a:off x="4161933" y="6019010"/>
+            <a:ext cx="1046375" cy="339365"/>
+          </a:xfrm>
+          <a:prstGeom prst="rect">
+            <a:avLst/>
+          </a:prstGeom>
+        </p:spPr>
+        <p:style>
+          <a:lnRef idx="2">
+            <a:schemeClr val="accent1">
+              <a:shade val="50000"/>
+            </a:schemeClr>
+          </a:lnRef>
+          <a:fillRef idx="1">
+            <a:schemeClr val="accent1"/>
+          </a:fillRef>
+          <a:effectRef idx="0">
+            <a:schemeClr val="accent1"/>
+          </a:effectRef>
+          <a:fontRef idx="minor">
+            <a:schemeClr val="lt1"/>
+          </a:fontRef>
+        </p:style>
+        <p:txBody>
+          <a:bodyPr rtlCol="1" anchor="ctr"/>
+          <a:lstStyle/>
+          <a:p>
+            <a:pPr algn="ctr"/>
+            <a:r>
+              <a:rPr lang="he-IL" dirty="0" smtClean="0"/>
+              <a:t>הזמן</a:t>
+            </a:r>
+            <a:endParaRPr lang="he-IL" dirty="0"/>
+          </a:p>
+        </p:txBody>
+      </p:sp>
+    </p:spTree>
+    <p:extLst>
+      <p:ext uri="{BB962C8B-B14F-4D97-AF65-F5344CB8AC3E}">
+        <p14:creationId xmlns:p14="http://schemas.microsoft.com/office/powerpoint/2010/main" val="1136397963"/>
+      </p:ext>
+    </p:extLst>
+  </p:cSld>
+  <p:clrMapOvr>
+    <a:masterClrMapping/>
+  </p:clrMapOvr>
+  <p:timing>
+    <p:tnLst>
+      <p:par>
+        <p:cTn id="1" dur="indefinite" restart="never" nodeType="tmRoot"/>
+      </p:par>
+    </p:tnLst>
+  </p:timing>
+</p:sld>
+</file>
+
+<file path=ppt/slides/slide3.xml><?xml version="1.0" encoding="utf-8"?>
+<p:sld xmlns:a="http://schemas.openxmlformats.org/drawingml/2006/main" xmlns:r="http://schemas.openxmlformats.org/officeDocument/2006/relationships" xmlns:p="http://schemas.openxmlformats.org/presentationml/2006/main">
+  <p:cSld>
+    <p:spTree>
+      <p:nvGrpSpPr>
+        <p:cNvPr id="1" name=""/>
+        <p:cNvGrpSpPr/>
+        <p:nvPr/>
+      </p:nvGrpSpPr>
+      <p:grpSpPr>
+        <a:xfrm>
+          <a:off x="0" y="0"/>
+          <a:ext cx="0" cy="0"/>
+          <a:chOff x="0" y="0"/>
+          <a:chExt cx="0" cy="0"/>
+        </a:xfrm>
+      </p:grpSpPr>
+      <p:sp>
+        <p:nvSpPr>
+          <p:cNvPr id="2" name="כותרת 1"/>
+          <p:cNvSpPr>
+            <a:spLocks noGrp="1"/>
+          </p:cNvSpPr>
+          <p:nvPr>
+            <p:ph type="title"/>
+          </p:nvPr>
+        </p:nvSpPr>
+        <p:spPr/>
+        <p:txBody>
+          <a:bodyPr/>
+          <a:lstStyle/>
+          <a:p>
+            <a:endParaRPr lang="he-IL"/>
+          </a:p>
+        </p:txBody>
+      </p:sp>
+      <p:sp>
+        <p:nvSpPr>
+          <p:cNvPr id="3" name="מציין מיקום תוכן 2"/>
+          <p:cNvSpPr>
+            <a:spLocks noGrp="1"/>
+          </p:cNvSpPr>
+          <p:nvPr>
+            <p:ph idx="1"/>
+          </p:nvPr>
+        </p:nvSpPr>
+        <p:spPr/>
+        <p:txBody>
+          <a:bodyPr/>
+          <a:lstStyle/>
+          <a:p>
+            <a:endParaRPr lang="he-IL"/>
+          </a:p>
+        </p:txBody>
+      </p:sp>
+      <p:sp>
+        <p:nvSpPr>
+          <p:cNvPr id="4" name="מלבן 3"/>
+          <p:cNvSpPr/>
+          <p:nvPr/>
+        </p:nvSpPr>
+        <p:spPr>
+          <a:xfrm>
+            <a:off x="11120486" y="123123"/>
+            <a:ext cx="914400" cy="914400"/>
+          </a:xfrm>
+          <a:prstGeom prst="rect">
+            <a:avLst/>
+          </a:prstGeom>
+        </p:spPr>
+        <p:style>
+          <a:lnRef idx="2">
+            <a:schemeClr val="accent6"/>
+          </a:lnRef>
+          <a:fillRef idx="1">
+            <a:schemeClr val="lt1"/>
+          </a:fillRef>
+          <a:effectRef idx="0">
+            <a:schemeClr val="accent6"/>
+          </a:effectRef>
+          <a:fontRef idx="minor">
+            <a:schemeClr val="dk1"/>
+          </a:fontRef>
+        </p:style>
+        <p:txBody>
+          <a:bodyPr rtlCol="1" anchor="ctr"/>
+          <a:lstStyle/>
+          <a:p>
+            <a:pPr algn="ctr"/>
+            <a:r>
+              <a:rPr lang="he-IL" dirty="0" smtClean="0"/>
+              <a:t>לוגו</a:t>
+            </a:r>
+            <a:endParaRPr lang="he-IL" dirty="0"/>
+          </a:p>
+        </p:txBody>
+      </p:sp>
+      <p:sp>
+        <p:nvSpPr>
+          <p:cNvPr id="5" name="מלבן 4"/>
+          <p:cNvSpPr/>
+          <p:nvPr/>
+        </p:nvSpPr>
+        <p:spPr>
+          <a:xfrm>
+            <a:off x="10058400" y="1753386"/>
+            <a:ext cx="2045616" cy="4892510"/>
+          </a:xfrm>
+          <a:prstGeom prst="rect">
+            <a:avLst/>
+          </a:prstGeom>
+        </p:spPr>
+        <p:style>
+          <a:lnRef idx="2">
+            <a:schemeClr val="accent1">
+              <a:shade val="50000"/>
+            </a:schemeClr>
+          </a:lnRef>
+          <a:fillRef idx="1">
+            <a:schemeClr val="accent1"/>
+          </a:fillRef>
+          <a:effectRef idx="0">
+            <a:schemeClr val="accent1"/>
+          </a:effectRef>
+          <a:fontRef idx="minor">
+            <a:schemeClr val="lt1"/>
+          </a:fontRef>
+        </p:style>
+        <p:txBody>
+          <a:bodyPr rtlCol="1" anchor="ctr"/>
+          <a:lstStyle/>
+          <a:p>
+            <a:pPr algn="ctr"/>
+            <a:r>
+              <a:rPr lang="he-IL" dirty="0" smtClean="0"/>
+              <a:t>כאן יופיעו המלצות ללקוח לאחר הזמנת מנות קודמות ושיקולי מערכת המלצת </a:t>
+            </a:r>
+            <a:r>
+              <a:rPr lang="he-IL" dirty="0" err="1" smtClean="0"/>
+              <a:t>השפ</a:t>
+            </a:r>
+            <a:r>
+              <a:rPr lang="he-IL" dirty="0" smtClean="0"/>
+              <a:t> </a:t>
+            </a:r>
+            <a:r>
+              <a:rPr lang="he-IL" dirty="0" err="1" smtClean="0"/>
+              <a:t>וכו</a:t>
+            </a:r>
+            <a:r>
+              <a:rPr lang="he-IL" dirty="0" smtClean="0"/>
+              <a:t> בשם בלבד</a:t>
+            </a:r>
+            <a:endParaRPr lang="he-IL" dirty="0"/>
+          </a:p>
+        </p:txBody>
+      </p:sp>
+      <p:sp>
+        <p:nvSpPr>
+          <p:cNvPr id="6" name="מלבן 5"/>
+          <p:cNvSpPr/>
+          <p:nvPr/>
+        </p:nvSpPr>
+        <p:spPr>
+          <a:xfrm>
+            <a:off x="113122" y="1753385"/>
+            <a:ext cx="2714919" cy="4949073"/>
+          </a:xfrm>
+          <a:prstGeom prst="rect">
+            <a:avLst/>
+          </a:prstGeom>
+        </p:spPr>
+        <p:style>
+          <a:lnRef idx="2">
+            <a:schemeClr val="accent1">
+              <a:shade val="50000"/>
+            </a:schemeClr>
+          </a:lnRef>
+          <a:fillRef idx="1">
+            <a:schemeClr val="accent1"/>
+          </a:fillRef>
+          <a:effectRef idx="0">
+            <a:schemeClr val="accent1"/>
+          </a:effectRef>
+          <a:fontRef idx="minor">
+            <a:schemeClr val="lt1"/>
+          </a:fontRef>
+        </p:style>
+        <p:txBody>
+          <a:bodyPr rtlCol="1" anchor="ctr"/>
+          <a:lstStyle/>
+          <a:p>
+            <a:pPr algn="ctr"/>
+            <a:r>
+              <a:rPr lang="he-IL" dirty="0" smtClean="0"/>
+              <a:t>כתובת משלוח עלות כוללת מס' </a:t>
+            </a:r>
+            <a:r>
+              <a:rPr lang="he-IL" smtClean="0"/>
+              <a:t>טלפון ופרטי הלק'</a:t>
+            </a:r>
+            <a:endParaRPr lang="he-IL"/>
+          </a:p>
+        </p:txBody>
+      </p:sp>
+      <p:sp>
+        <p:nvSpPr>
+          <p:cNvPr id="7" name="מלבן מעוגל 6"/>
+          <p:cNvSpPr/>
+          <p:nvPr/>
+        </p:nvSpPr>
+        <p:spPr>
+          <a:xfrm>
+            <a:off x="3355942" y="311083"/>
+            <a:ext cx="6363093" cy="754145"/>
+          </a:xfrm>
+          <a:prstGeom prst="roundRect">
+            <a:avLst/>
+          </a:prstGeom>
+        </p:spPr>
+        <p:style>
+          <a:lnRef idx="2">
+            <a:schemeClr val="accent1">
+              <a:shade val="50000"/>
+            </a:schemeClr>
+          </a:lnRef>
+          <a:fillRef idx="1">
+            <a:schemeClr val="accent1"/>
+          </a:fillRef>
+          <a:effectRef idx="0">
+            <a:schemeClr val="accent1"/>
+          </a:effectRef>
+          <a:fontRef idx="minor">
+            <a:schemeClr val="lt1"/>
+          </a:fontRef>
+        </p:style>
+        <p:txBody>
+          <a:bodyPr rtlCol="1" anchor="ctr"/>
+          <a:lstStyle/>
+          <a:p>
+            <a:pPr algn="ctr"/>
+            <a:r>
+              <a:rPr lang="he-IL" dirty="0" smtClean="0"/>
+              <a:t>באנר של האתר הכולל תיאור בקצרה (מסעדת שף אונליין)</a:t>
+            </a:r>
+            <a:endParaRPr lang="he-IL" dirty="0"/>
+          </a:p>
+        </p:txBody>
+      </p:sp>
+      <p:sp>
+        <p:nvSpPr>
+          <p:cNvPr id="8" name="מלבן 7"/>
+          <p:cNvSpPr/>
+          <p:nvPr/>
+        </p:nvSpPr>
+        <p:spPr>
+          <a:xfrm>
+            <a:off x="3355942" y="1753385"/>
+            <a:ext cx="6363093" cy="4892511"/>
+          </a:xfrm>
+          <a:prstGeom prst="rect">
+            <a:avLst/>
+          </a:prstGeom>
+        </p:spPr>
+        <p:style>
+          <a:lnRef idx="2">
+            <a:schemeClr val="accent1">
+              <a:shade val="50000"/>
+            </a:schemeClr>
+          </a:lnRef>
+          <a:fillRef idx="1">
+            <a:schemeClr val="accent1"/>
+          </a:fillRef>
+          <a:effectRef idx="0">
+            <a:schemeClr val="accent1"/>
+          </a:effectRef>
+          <a:fontRef idx="minor">
+            <a:schemeClr val="lt1"/>
+          </a:fontRef>
+        </p:style>
+        <p:txBody>
+          <a:bodyPr rtlCol="1" anchor="ctr"/>
+          <a:lstStyle/>
+          <a:p>
+            <a:pPr algn="ctr"/>
+            <a:endParaRPr lang="he-IL" dirty="0"/>
+          </a:p>
+        </p:txBody>
+      </p:sp>
+      <p:sp>
+        <p:nvSpPr>
+          <p:cNvPr id="10" name="מלבן 9"/>
+          <p:cNvSpPr/>
+          <p:nvPr/>
+        </p:nvSpPr>
+        <p:spPr>
+          <a:xfrm>
+            <a:off x="8022210" y="2526384"/>
+            <a:ext cx="1234912" cy="1282045"/>
+          </a:xfrm>
+          <a:prstGeom prst="rect">
+            <a:avLst/>
+          </a:prstGeom>
+          <a:solidFill>
+            <a:schemeClr val="tx2"/>
+          </a:solidFill>
+          <a:ln>
+            <a:solidFill>
+              <a:schemeClr val="tx2"/>
+            </a:solidFill>
+          </a:ln>
+        </p:spPr>
+        <p:style>
+          <a:lnRef idx="2">
+            <a:schemeClr val="accent1">
+              <a:shade val="50000"/>
+            </a:schemeClr>
+          </a:lnRef>
+          <a:fillRef idx="1">
+            <a:schemeClr val="accent1"/>
+          </a:fillRef>
+          <a:effectRef idx="0">
+            <a:schemeClr val="accent1"/>
+          </a:effectRef>
+          <a:fontRef idx="minor">
+            <a:schemeClr val="lt1"/>
+          </a:fontRef>
+        </p:style>
+        <p:txBody>
+          <a:bodyPr rtlCol="1" anchor="ctr"/>
+          <a:lstStyle/>
+          <a:p>
+            <a:pPr algn="ctr"/>
+            <a:r>
+              <a:rPr lang="he-IL" dirty="0" smtClean="0"/>
+              <a:t>מנה</a:t>
+            </a:r>
+            <a:endParaRPr lang="he-IL" dirty="0"/>
+          </a:p>
+        </p:txBody>
+      </p:sp>
+      <p:sp>
+        <p:nvSpPr>
+          <p:cNvPr id="11" name="מלבן 10"/>
+          <p:cNvSpPr/>
+          <p:nvPr/>
+        </p:nvSpPr>
+        <p:spPr>
+          <a:xfrm>
+            <a:off x="6259397" y="2526384"/>
+            <a:ext cx="1234912" cy="1282045"/>
+          </a:xfrm>
+          <a:prstGeom prst="rect">
+            <a:avLst/>
+          </a:prstGeom>
+          <a:solidFill>
+            <a:schemeClr val="tx2"/>
+          </a:solidFill>
+          <a:ln>
+            <a:solidFill>
+              <a:schemeClr val="tx2"/>
+            </a:solidFill>
+          </a:ln>
+        </p:spPr>
+        <p:style>
+          <a:lnRef idx="2">
+            <a:schemeClr val="accent1">
+              <a:shade val="50000"/>
+            </a:schemeClr>
+          </a:lnRef>
+          <a:fillRef idx="1">
+            <a:schemeClr val="accent1"/>
+          </a:fillRef>
+          <a:effectRef idx="0">
+            <a:schemeClr val="accent1"/>
+          </a:effectRef>
+          <a:fontRef idx="minor">
+            <a:schemeClr val="lt1"/>
+          </a:fontRef>
+        </p:style>
+        <p:txBody>
+          <a:bodyPr rtlCol="1" anchor="ctr"/>
+          <a:lstStyle/>
+          <a:p>
+            <a:pPr algn="ctr"/>
+            <a:r>
+              <a:rPr lang="he-IL" dirty="0" smtClean="0"/>
+              <a:t>מנה</a:t>
+            </a:r>
+            <a:endParaRPr lang="he-IL" dirty="0"/>
+          </a:p>
+        </p:txBody>
+      </p:sp>
+      <p:sp>
+        <p:nvSpPr>
+          <p:cNvPr id="12" name="מלבן 11"/>
+          <p:cNvSpPr/>
+          <p:nvPr/>
+        </p:nvSpPr>
+        <p:spPr>
+          <a:xfrm>
+            <a:off x="8022210" y="4227921"/>
+            <a:ext cx="1234912" cy="1282045"/>
+          </a:xfrm>
+          <a:prstGeom prst="rect">
+            <a:avLst/>
+          </a:prstGeom>
+          <a:solidFill>
+            <a:schemeClr val="tx2"/>
+          </a:solidFill>
+          <a:ln>
+            <a:solidFill>
+              <a:schemeClr val="tx2"/>
+            </a:solidFill>
+          </a:ln>
+        </p:spPr>
+        <p:style>
+          <a:lnRef idx="2">
+            <a:schemeClr val="accent1">
+              <a:shade val="50000"/>
+            </a:schemeClr>
+          </a:lnRef>
+          <a:fillRef idx="1">
+            <a:schemeClr val="accent1"/>
+          </a:fillRef>
+          <a:effectRef idx="0">
+            <a:schemeClr val="accent1"/>
+          </a:effectRef>
+          <a:fontRef idx="minor">
+            <a:schemeClr val="lt1"/>
+          </a:fontRef>
+        </p:style>
+        <p:txBody>
+          <a:bodyPr rtlCol="1" anchor="ctr"/>
+          <a:lstStyle/>
+          <a:p>
+            <a:pPr algn="ctr"/>
+            <a:r>
+              <a:rPr lang="he-IL" dirty="0" smtClean="0"/>
+              <a:t>מנה</a:t>
+            </a:r>
+            <a:endParaRPr lang="he-IL" dirty="0"/>
+          </a:p>
+        </p:txBody>
+      </p:sp>
+      <p:sp>
+        <p:nvSpPr>
+          <p:cNvPr id="13" name="מלבן 12"/>
+          <p:cNvSpPr/>
+          <p:nvPr/>
+        </p:nvSpPr>
+        <p:spPr>
+          <a:xfrm>
+            <a:off x="6259397" y="4227921"/>
+            <a:ext cx="1234912" cy="1282045"/>
+          </a:xfrm>
+          <a:prstGeom prst="rect">
+            <a:avLst/>
+          </a:prstGeom>
+          <a:solidFill>
+            <a:schemeClr val="tx2"/>
+          </a:solidFill>
+          <a:ln>
+            <a:solidFill>
+              <a:schemeClr val="tx2"/>
+            </a:solidFill>
+          </a:ln>
+        </p:spPr>
+        <p:style>
+          <a:lnRef idx="2">
+            <a:schemeClr val="accent1">
+              <a:shade val="50000"/>
+            </a:schemeClr>
+          </a:lnRef>
+          <a:fillRef idx="1">
+            <a:schemeClr val="accent1"/>
+          </a:fillRef>
+          <a:effectRef idx="0">
+            <a:schemeClr val="accent1"/>
+          </a:effectRef>
+          <a:fontRef idx="minor">
+            <a:schemeClr val="lt1"/>
+          </a:fontRef>
+        </p:style>
+        <p:txBody>
+          <a:bodyPr rtlCol="1" anchor="ctr"/>
+          <a:lstStyle/>
+          <a:p>
+            <a:pPr algn="ctr"/>
+            <a:r>
+              <a:rPr lang="he-IL" dirty="0" smtClean="0"/>
+              <a:t>מנה</a:t>
+            </a:r>
+            <a:endParaRPr lang="he-IL" dirty="0"/>
+          </a:p>
+        </p:txBody>
+      </p:sp>
+      <p:sp>
+        <p:nvSpPr>
+          <p:cNvPr id="14" name="מלבן 13"/>
+          <p:cNvSpPr/>
+          <p:nvPr/>
+        </p:nvSpPr>
+        <p:spPr>
+          <a:xfrm>
+            <a:off x="4496584" y="4267985"/>
+            <a:ext cx="1234912" cy="1282045"/>
+          </a:xfrm>
+          <a:prstGeom prst="rect">
+            <a:avLst/>
+          </a:prstGeom>
+          <a:solidFill>
+            <a:schemeClr val="tx2"/>
+          </a:solidFill>
+          <a:ln>
+            <a:solidFill>
+              <a:schemeClr val="tx2"/>
+            </a:solidFill>
+          </a:ln>
+        </p:spPr>
+        <p:style>
+          <a:lnRef idx="2">
+            <a:schemeClr val="accent1">
+              <a:shade val="50000"/>
+            </a:schemeClr>
+          </a:lnRef>
+          <a:fillRef idx="1">
+            <a:schemeClr val="accent1"/>
+          </a:fillRef>
+          <a:effectRef idx="0">
+            <a:schemeClr val="accent1"/>
+          </a:effectRef>
+          <a:fontRef idx="minor">
+            <a:schemeClr val="lt1"/>
+          </a:fontRef>
+        </p:style>
+        <p:txBody>
+          <a:bodyPr rtlCol="1" anchor="ctr"/>
+          <a:lstStyle/>
+          <a:p>
+            <a:pPr algn="ctr"/>
+            <a:r>
+              <a:rPr lang="he-IL" dirty="0" smtClean="0"/>
+              <a:t>מנה</a:t>
+            </a:r>
+            <a:endParaRPr lang="he-IL" dirty="0"/>
+          </a:p>
+        </p:txBody>
+      </p:sp>
+      <p:sp>
+        <p:nvSpPr>
+          <p:cNvPr id="15" name="מלבן 14"/>
+          <p:cNvSpPr/>
+          <p:nvPr/>
+        </p:nvSpPr>
+        <p:spPr>
+          <a:xfrm>
+            <a:off x="4496584" y="2526383"/>
+            <a:ext cx="1234912" cy="1282045"/>
+          </a:xfrm>
+          <a:prstGeom prst="rect">
+            <a:avLst/>
+          </a:prstGeom>
+          <a:solidFill>
+            <a:schemeClr val="tx2"/>
+          </a:solidFill>
+          <a:ln>
+            <a:solidFill>
+              <a:schemeClr val="tx2"/>
+            </a:solidFill>
+          </a:ln>
+        </p:spPr>
+        <p:style>
+          <a:lnRef idx="2">
+            <a:schemeClr val="accent1">
+              <a:shade val="50000"/>
+            </a:schemeClr>
+          </a:lnRef>
+          <a:fillRef idx="1">
+            <a:schemeClr val="accent1"/>
+          </a:fillRef>
+          <a:effectRef idx="0">
+            <a:schemeClr val="accent1"/>
+          </a:effectRef>
+          <a:fontRef idx="minor">
+            <a:schemeClr val="lt1"/>
+          </a:fontRef>
+        </p:style>
+        <p:txBody>
+          <a:bodyPr rtlCol="1" anchor="ctr"/>
+          <a:lstStyle/>
+          <a:p>
+            <a:pPr algn="ctr"/>
+            <a:r>
+              <a:rPr lang="he-IL" dirty="0" smtClean="0"/>
+              <a:t>מנה</a:t>
+            </a:r>
+            <a:endParaRPr lang="he-IL" dirty="0"/>
+          </a:p>
+        </p:txBody>
+      </p:sp>
+      <p:sp>
+        <p:nvSpPr>
+          <p:cNvPr id="16" name="מלבן 15"/>
+          <p:cNvSpPr/>
+          <p:nvPr/>
+        </p:nvSpPr>
+        <p:spPr>
+          <a:xfrm>
+            <a:off x="631596" y="5910606"/>
+            <a:ext cx="1753385" cy="443060"/>
+          </a:xfrm>
+          <a:prstGeom prst="rect">
+            <a:avLst/>
+          </a:prstGeom>
+          <a:solidFill>
+            <a:schemeClr val="tx2"/>
+          </a:solidFill>
+        </p:spPr>
+        <p:style>
+          <a:lnRef idx="2">
+            <a:schemeClr val="accent1">
+              <a:shade val="50000"/>
+            </a:schemeClr>
+          </a:lnRef>
+          <a:fillRef idx="1">
+            <a:schemeClr val="accent1"/>
+          </a:fillRef>
+          <a:effectRef idx="0">
+            <a:schemeClr val="accent1"/>
+          </a:effectRef>
+          <a:fontRef idx="minor">
+            <a:schemeClr val="lt1"/>
+          </a:fontRef>
+        </p:style>
+        <p:txBody>
+          <a:bodyPr rtlCol="1" anchor="ctr"/>
+          <a:lstStyle/>
+          <a:p>
+            <a:pPr algn="ctr"/>
+            <a:r>
+              <a:rPr lang="he-IL" smtClean="0"/>
+              <a:t>אשר משלוח</a:t>
+            </a:r>
+            <a:endParaRPr lang="he-IL"/>
+          </a:p>
+        </p:txBody>
+      </p:sp>
+    </p:spTree>
+    <p:extLst>
+      <p:ext uri="{BB962C8B-B14F-4D97-AF65-F5344CB8AC3E}">
+        <p14:creationId xmlns:p14="http://schemas.microsoft.com/office/powerpoint/2010/main" val="798160381"/>
       </p:ext>
     </p:extLst>
   </p:cSld>
